--- a/8_análisis_computacional_de_datos_caso_práctico .pptx
+++ b/8_análisis_computacional_de_datos_caso_práctico .pptx
@@ -11,6 +11,21 @@
     <p:sldId id="259" r:id="rId5"/>
     <p:sldId id="260" r:id="rId6"/>
     <p:sldId id="261" r:id="rId7"/>
+    <p:sldId id="262" r:id="rId8"/>
+    <p:sldId id="263" r:id="rId9"/>
+    <p:sldId id="264" r:id="rId10"/>
+    <p:sldId id="265" r:id="rId11"/>
+    <p:sldId id="266" r:id="rId12"/>
+    <p:sldId id="267" r:id="rId13"/>
+    <p:sldId id="268" r:id="rId14"/>
+    <p:sldId id="269" r:id="rId15"/>
+    <p:sldId id="270" r:id="rId16"/>
+    <p:sldId id="271" r:id="rId17"/>
+    <p:sldId id="272" r:id="rId18"/>
+    <p:sldId id="273" r:id="rId19"/>
+    <p:sldId id="274" r:id="rId20"/>
+    <p:sldId id="275" r:id="rId21"/>
+    <p:sldId id="276" r:id="rId22"/>
   </p:sldIdLst>
   <p:sldSz cx="12192000" cy="6858000"/>
   <p:notesSz cx="6858000" cy="9144000"/>
@@ -109,6 +124,11 @@
       </a:defRPr>
     </a:lvl9pPr>
   </p:defaultTextStyle>
+  <p:extLst>
+    <p:ext uri="{EFAFB233-063F-42B5-8137-9DF3F51BA10A}">
+      <p15:sldGuideLst xmlns:p15="http://schemas.microsoft.com/office/powerpoint/2012/main"/>
+    </p:ext>
+  </p:extLst>
 </p:presentation>
 </file>
 
@@ -261,7 +281,7 @@
           <a:p>
             <a:fld id="{EF42C847-EDF6-4E27-88C9-9F931777ED55}" type="datetimeFigureOut">
               <a:rPr lang="es-MX" smtClean="0"/>
-              <a:t>09/03/2025</a:t>
+              <a:t>13/03/2025</a:t>
             </a:fld>
             <a:endParaRPr lang="es-MX"/>
           </a:p>
@@ -461,7 +481,7 @@
           <a:p>
             <a:fld id="{EF42C847-EDF6-4E27-88C9-9F931777ED55}" type="datetimeFigureOut">
               <a:rPr lang="es-MX" smtClean="0"/>
-              <a:t>09/03/2025</a:t>
+              <a:t>13/03/2025</a:t>
             </a:fld>
             <a:endParaRPr lang="es-MX"/>
           </a:p>
@@ -671,7 +691,7 @@
           <a:p>
             <a:fld id="{EF42C847-EDF6-4E27-88C9-9F931777ED55}" type="datetimeFigureOut">
               <a:rPr lang="es-MX" smtClean="0"/>
-              <a:t>09/03/2025</a:t>
+              <a:t>13/03/2025</a:t>
             </a:fld>
             <a:endParaRPr lang="es-MX"/>
           </a:p>
@@ -871,7 +891,7 @@
           <a:p>
             <a:fld id="{EF42C847-EDF6-4E27-88C9-9F931777ED55}" type="datetimeFigureOut">
               <a:rPr lang="es-MX" smtClean="0"/>
-              <a:t>09/03/2025</a:t>
+              <a:t>13/03/2025</a:t>
             </a:fld>
             <a:endParaRPr lang="es-MX"/>
           </a:p>
@@ -1147,7 +1167,7 @@
           <a:p>
             <a:fld id="{EF42C847-EDF6-4E27-88C9-9F931777ED55}" type="datetimeFigureOut">
               <a:rPr lang="es-MX" smtClean="0"/>
-              <a:t>09/03/2025</a:t>
+              <a:t>13/03/2025</a:t>
             </a:fld>
             <a:endParaRPr lang="es-MX"/>
           </a:p>
@@ -1415,7 +1435,7 @@
           <a:p>
             <a:fld id="{EF42C847-EDF6-4E27-88C9-9F931777ED55}" type="datetimeFigureOut">
               <a:rPr lang="es-MX" smtClean="0"/>
-              <a:t>09/03/2025</a:t>
+              <a:t>13/03/2025</a:t>
             </a:fld>
             <a:endParaRPr lang="es-MX"/>
           </a:p>
@@ -1830,7 +1850,7 @@
           <a:p>
             <a:fld id="{EF42C847-EDF6-4E27-88C9-9F931777ED55}" type="datetimeFigureOut">
               <a:rPr lang="es-MX" smtClean="0"/>
-              <a:t>09/03/2025</a:t>
+              <a:t>13/03/2025</a:t>
             </a:fld>
             <a:endParaRPr lang="es-MX"/>
           </a:p>
@@ -1972,7 +1992,7 @@
           <a:p>
             <a:fld id="{EF42C847-EDF6-4E27-88C9-9F931777ED55}" type="datetimeFigureOut">
               <a:rPr lang="es-MX" smtClean="0"/>
-              <a:t>09/03/2025</a:t>
+              <a:t>13/03/2025</a:t>
             </a:fld>
             <a:endParaRPr lang="es-MX"/>
           </a:p>
@@ -2085,7 +2105,7 @@
           <a:p>
             <a:fld id="{EF42C847-EDF6-4E27-88C9-9F931777ED55}" type="datetimeFigureOut">
               <a:rPr lang="es-MX" smtClean="0"/>
-              <a:t>09/03/2025</a:t>
+              <a:t>13/03/2025</a:t>
             </a:fld>
             <a:endParaRPr lang="es-MX"/>
           </a:p>
@@ -2398,7 +2418,7 @@
           <a:p>
             <a:fld id="{EF42C847-EDF6-4E27-88C9-9F931777ED55}" type="datetimeFigureOut">
               <a:rPr lang="es-MX" smtClean="0"/>
-              <a:t>09/03/2025</a:t>
+              <a:t>13/03/2025</a:t>
             </a:fld>
             <a:endParaRPr lang="es-MX"/>
           </a:p>
@@ -2687,7 +2707,7 @@
           <a:p>
             <a:fld id="{EF42C847-EDF6-4E27-88C9-9F931777ED55}" type="datetimeFigureOut">
               <a:rPr lang="es-MX" smtClean="0"/>
-              <a:t>09/03/2025</a:t>
+              <a:t>13/03/2025</a:t>
             </a:fld>
             <a:endParaRPr lang="es-MX"/>
           </a:p>
@@ -2930,7 +2950,7 @@
           <a:p>
             <a:fld id="{EF42C847-EDF6-4E27-88C9-9F931777ED55}" type="datetimeFigureOut">
               <a:rPr lang="es-MX" smtClean="0"/>
-              <a:t>09/03/2025</a:t>
+              <a:t>13/03/2025</a:t>
             </a:fld>
             <a:endParaRPr lang="es-MX"/>
           </a:p>
@@ -6852,6 +6872,1780 @@
 </p:sld>
 </file>
 
+<file path=ppt/slides/slide10.xml><?xml version="1.0" encoding="utf-8"?>
+<p:sld xmlns:a="http://schemas.openxmlformats.org/drawingml/2006/main" xmlns:r="http://schemas.openxmlformats.org/officeDocument/2006/relationships" xmlns:p="http://schemas.openxmlformats.org/presentationml/2006/main">
+  <p:cSld>
+    <p:spTree>
+      <p:nvGrpSpPr>
+        <p:cNvPr id="1" name=""/>
+        <p:cNvGrpSpPr/>
+        <p:nvPr/>
+      </p:nvGrpSpPr>
+      <p:grpSpPr>
+        <a:xfrm>
+          <a:off x="0" y="0"/>
+          <a:ext cx="0" cy="0"/>
+          <a:chOff x="0" y="0"/>
+          <a:chExt cx="0" cy="0"/>
+        </a:xfrm>
+      </p:grpSpPr>
+      <p:sp>
+        <p:nvSpPr>
+          <p:cNvPr id="2" name="Título 1">
+            <a:extLst>
+              <a:ext uri="{FF2B5EF4-FFF2-40B4-BE49-F238E27FC236}">
+                <a16:creationId xmlns:a16="http://schemas.microsoft.com/office/drawing/2014/main" id="{094A01A7-FAFC-AF0D-6719-9E07F1B21520}"/>
+              </a:ext>
+            </a:extLst>
+          </p:cNvPr>
+          <p:cNvSpPr>
+            <a:spLocks noGrp="1"/>
+          </p:cNvSpPr>
+          <p:nvPr>
+            <p:ph type="title"/>
+          </p:nvPr>
+        </p:nvSpPr>
+        <p:spPr/>
+        <p:txBody>
+          <a:bodyPr/>
+          <a:lstStyle/>
+          <a:p>
+            <a:endParaRPr lang="es-MX"/>
+          </a:p>
+        </p:txBody>
+      </p:sp>
+      <p:sp>
+        <p:nvSpPr>
+          <p:cNvPr id="3" name="Marcador de contenido 2">
+            <a:extLst>
+              <a:ext uri="{FF2B5EF4-FFF2-40B4-BE49-F238E27FC236}">
+                <a16:creationId xmlns:a16="http://schemas.microsoft.com/office/drawing/2014/main" id="{26C9F152-C99A-BE48-DF1D-EC0B624DC028}"/>
+              </a:ext>
+            </a:extLst>
+          </p:cNvPr>
+          <p:cNvSpPr>
+            <a:spLocks noGrp="1"/>
+          </p:cNvSpPr>
+          <p:nvPr>
+            <p:ph idx="1"/>
+          </p:nvPr>
+        </p:nvSpPr>
+        <p:spPr/>
+        <p:txBody>
+          <a:bodyPr/>
+          <a:lstStyle/>
+          <a:p>
+            <a:endParaRPr lang="es-MX"/>
+          </a:p>
+        </p:txBody>
+      </p:sp>
+      <p:pic>
+        <p:nvPicPr>
+          <p:cNvPr id="5" name="Imagen 4">
+            <a:extLst>
+              <a:ext uri="{FF2B5EF4-FFF2-40B4-BE49-F238E27FC236}">
+                <a16:creationId xmlns:a16="http://schemas.microsoft.com/office/drawing/2014/main" id="{B1C0C7E2-298E-CE29-4198-28443000CD45}"/>
+              </a:ext>
+            </a:extLst>
+          </p:cNvPr>
+          <p:cNvPicPr>
+            <a:picLocks noChangeAspect="1"/>
+          </p:cNvPicPr>
+          <p:nvPr/>
+        </p:nvPicPr>
+        <p:blipFill>
+          <a:blip r:embed="rId2"/>
+          <a:stretch>
+            <a:fillRect/>
+          </a:stretch>
+        </p:blipFill>
+        <p:spPr>
+          <a:xfrm>
+            <a:off x="170623" y="9047"/>
+            <a:ext cx="11850754" cy="6839905"/>
+          </a:xfrm>
+          <a:prstGeom prst="rect">
+            <a:avLst/>
+          </a:prstGeom>
+        </p:spPr>
+      </p:pic>
+    </p:spTree>
+    <p:extLst>
+      <p:ext uri="{BB962C8B-B14F-4D97-AF65-F5344CB8AC3E}">
+        <p14:creationId xmlns:p14="http://schemas.microsoft.com/office/powerpoint/2010/main" val="899505829"/>
+      </p:ext>
+    </p:extLst>
+  </p:cSld>
+  <p:clrMapOvr>
+    <a:masterClrMapping/>
+  </p:clrMapOvr>
+</p:sld>
+</file>
+
+<file path=ppt/slides/slide11.xml><?xml version="1.0" encoding="utf-8"?>
+<p:sld xmlns:a="http://schemas.openxmlformats.org/drawingml/2006/main" xmlns:r="http://schemas.openxmlformats.org/officeDocument/2006/relationships" xmlns:p="http://schemas.openxmlformats.org/presentationml/2006/main">
+  <p:cSld>
+    <p:spTree>
+      <p:nvGrpSpPr>
+        <p:cNvPr id="1" name=""/>
+        <p:cNvGrpSpPr/>
+        <p:nvPr/>
+      </p:nvGrpSpPr>
+      <p:grpSpPr>
+        <a:xfrm>
+          <a:off x="0" y="0"/>
+          <a:ext cx="0" cy="0"/>
+          <a:chOff x="0" y="0"/>
+          <a:chExt cx="0" cy="0"/>
+        </a:xfrm>
+      </p:grpSpPr>
+      <p:sp>
+        <p:nvSpPr>
+          <p:cNvPr id="2" name="Título 1">
+            <a:extLst>
+              <a:ext uri="{FF2B5EF4-FFF2-40B4-BE49-F238E27FC236}">
+                <a16:creationId xmlns:a16="http://schemas.microsoft.com/office/drawing/2014/main" id="{9431BAFA-502F-EE10-276A-9603C0769F8D}"/>
+              </a:ext>
+            </a:extLst>
+          </p:cNvPr>
+          <p:cNvSpPr>
+            <a:spLocks noGrp="1"/>
+          </p:cNvSpPr>
+          <p:nvPr>
+            <p:ph type="title"/>
+          </p:nvPr>
+        </p:nvSpPr>
+        <p:spPr/>
+        <p:txBody>
+          <a:bodyPr/>
+          <a:lstStyle/>
+          <a:p>
+            <a:endParaRPr lang="es-MX"/>
+          </a:p>
+        </p:txBody>
+      </p:sp>
+      <p:sp>
+        <p:nvSpPr>
+          <p:cNvPr id="3" name="Marcador de contenido 2">
+            <a:extLst>
+              <a:ext uri="{FF2B5EF4-FFF2-40B4-BE49-F238E27FC236}">
+                <a16:creationId xmlns:a16="http://schemas.microsoft.com/office/drawing/2014/main" id="{35B00EE7-69AC-0FED-6080-4176CEBDE573}"/>
+              </a:ext>
+            </a:extLst>
+          </p:cNvPr>
+          <p:cNvSpPr>
+            <a:spLocks noGrp="1"/>
+          </p:cNvSpPr>
+          <p:nvPr>
+            <p:ph idx="1"/>
+          </p:nvPr>
+        </p:nvSpPr>
+        <p:spPr/>
+        <p:txBody>
+          <a:bodyPr/>
+          <a:lstStyle/>
+          <a:p>
+            <a:endParaRPr lang="es-MX"/>
+          </a:p>
+        </p:txBody>
+      </p:sp>
+      <p:pic>
+        <p:nvPicPr>
+          <p:cNvPr id="5" name="Imagen 4">
+            <a:extLst>
+              <a:ext uri="{FF2B5EF4-FFF2-40B4-BE49-F238E27FC236}">
+                <a16:creationId xmlns:a16="http://schemas.microsoft.com/office/drawing/2014/main" id="{D5D4143D-48F3-8B92-C11E-8ADF1F97BE3D}"/>
+              </a:ext>
+            </a:extLst>
+          </p:cNvPr>
+          <p:cNvPicPr>
+            <a:picLocks noChangeAspect="1"/>
+          </p:cNvPicPr>
+          <p:nvPr/>
+        </p:nvPicPr>
+        <p:blipFill>
+          <a:blip r:embed="rId2"/>
+          <a:stretch>
+            <a:fillRect/>
+          </a:stretch>
+        </p:blipFill>
+        <p:spPr>
+          <a:xfrm>
+            <a:off x="308755" y="90021"/>
+            <a:ext cx="11574490" cy="6677957"/>
+          </a:xfrm>
+          <a:prstGeom prst="rect">
+            <a:avLst/>
+          </a:prstGeom>
+        </p:spPr>
+      </p:pic>
+    </p:spTree>
+    <p:extLst>
+      <p:ext uri="{BB962C8B-B14F-4D97-AF65-F5344CB8AC3E}">
+        <p14:creationId xmlns:p14="http://schemas.microsoft.com/office/powerpoint/2010/main" val="1431558426"/>
+      </p:ext>
+    </p:extLst>
+  </p:cSld>
+  <p:clrMapOvr>
+    <a:masterClrMapping/>
+  </p:clrMapOvr>
+</p:sld>
+</file>
+
+<file path=ppt/slides/slide12.xml><?xml version="1.0" encoding="utf-8"?>
+<p:sld xmlns:a="http://schemas.openxmlformats.org/drawingml/2006/main" xmlns:r="http://schemas.openxmlformats.org/officeDocument/2006/relationships" xmlns:p="http://schemas.openxmlformats.org/presentationml/2006/main">
+  <p:cSld>
+    <p:spTree>
+      <p:nvGrpSpPr>
+        <p:cNvPr id="1" name=""/>
+        <p:cNvGrpSpPr/>
+        <p:nvPr/>
+      </p:nvGrpSpPr>
+      <p:grpSpPr>
+        <a:xfrm>
+          <a:off x="0" y="0"/>
+          <a:ext cx="0" cy="0"/>
+          <a:chOff x="0" y="0"/>
+          <a:chExt cx="0" cy="0"/>
+        </a:xfrm>
+      </p:grpSpPr>
+      <p:sp>
+        <p:nvSpPr>
+          <p:cNvPr id="2" name="Título 1">
+            <a:extLst>
+              <a:ext uri="{FF2B5EF4-FFF2-40B4-BE49-F238E27FC236}">
+                <a16:creationId xmlns:a16="http://schemas.microsoft.com/office/drawing/2014/main" id="{1A1FB8C1-D932-BCFA-7B2F-4B876390577B}"/>
+              </a:ext>
+            </a:extLst>
+          </p:cNvPr>
+          <p:cNvSpPr>
+            <a:spLocks noGrp="1"/>
+          </p:cNvSpPr>
+          <p:nvPr>
+            <p:ph type="title"/>
+          </p:nvPr>
+        </p:nvSpPr>
+        <p:spPr/>
+        <p:txBody>
+          <a:bodyPr/>
+          <a:lstStyle/>
+          <a:p>
+            <a:endParaRPr lang="es-MX"/>
+          </a:p>
+        </p:txBody>
+      </p:sp>
+      <p:sp>
+        <p:nvSpPr>
+          <p:cNvPr id="3" name="Marcador de contenido 2">
+            <a:extLst>
+              <a:ext uri="{FF2B5EF4-FFF2-40B4-BE49-F238E27FC236}">
+                <a16:creationId xmlns:a16="http://schemas.microsoft.com/office/drawing/2014/main" id="{82B69E31-A9EC-B78B-959E-D7010B6D190B}"/>
+              </a:ext>
+            </a:extLst>
+          </p:cNvPr>
+          <p:cNvSpPr>
+            <a:spLocks noGrp="1"/>
+          </p:cNvSpPr>
+          <p:nvPr>
+            <p:ph idx="1"/>
+          </p:nvPr>
+        </p:nvSpPr>
+        <p:spPr/>
+        <p:txBody>
+          <a:bodyPr/>
+          <a:lstStyle/>
+          <a:p>
+            <a:endParaRPr lang="es-MX"/>
+          </a:p>
+        </p:txBody>
+      </p:sp>
+      <p:pic>
+        <p:nvPicPr>
+          <p:cNvPr id="5" name="Imagen 4">
+            <a:extLst>
+              <a:ext uri="{FF2B5EF4-FFF2-40B4-BE49-F238E27FC236}">
+                <a16:creationId xmlns:a16="http://schemas.microsoft.com/office/drawing/2014/main" id="{C4656119-8098-1134-E7D8-77D358FBA262}"/>
+              </a:ext>
+            </a:extLst>
+          </p:cNvPr>
+          <p:cNvPicPr>
+            <a:picLocks noChangeAspect="1"/>
+          </p:cNvPicPr>
+          <p:nvPr/>
+        </p:nvPicPr>
+        <p:blipFill>
+          <a:blip r:embed="rId2"/>
+          <a:stretch>
+            <a:fillRect/>
+          </a:stretch>
+        </p:blipFill>
+        <p:spPr>
+          <a:xfrm>
+            <a:off x="275412" y="242443"/>
+            <a:ext cx="11641175" cy="6373114"/>
+          </a:xfrm>
+          <a:prstGeom prst="rect">
+            <a:avLst/>
+          </a:prstGeom>
+        </p:spPr>
+      </p:pic>
+    </p:spTree>
+    <p:extLst>
+      <p:ext uri="{BB962C8B-B14F-4D97-AF65-F5344CB8AC3E}">
+        <p14:creationId xmlns:p14="http://schemas.microsoft.com/office/powerpoint/2010/main" val="3273879288"/>
+      </p:ext>
+    </p:extLst>
+  </p:cSld>
+  <p:clrMapOvr>
+    <a:masterClrMapping/>
+  </p:clrMapOvr>
+</p:sld>
+</file>
+
+<file path=ppt/slides/slide13.xml><?xml version="1.0" encoding="utf-8"?>
+<p:sld xmlns:a="http://schemas.openxmlformats.org/drawingml/2006/main" xmlns:r="http://schemas.openxmlformats.org/officeDocument/2006/relationships" xmlns:p="http://schemas.openxmlformats.org/presentationml/2006/main">
+  <p:cSld>
+    <p:spTree>
+      <p:nvGrpSpPr>
+        <p:cNvPr id="1" name=""/>
+        <p:cNvGrpSpPr/>
+        <p:nvPr/>
+      </p:nvGrpSpPr>
+      <p:grpSpPr>
+        <a:xfrm>
+          <a:off x="0" y="0"/>
+          <a:ext cx="0" cy="0"/>
+          <a:chOff x="0" y="0"/>
+          <a:chExt cx="0" cy="0"/>
+        </a:xfrm>
+      </p:grpSpPr>
+      <p:pic>
+        <p:nvPicPr>
+          <p:cNvPr id="7" name="Imagen 6">
+            <a:extLst>
+              <a:ext uri="{FF2B5EF4-FFF2-40B4-BE49-F238E27FC236}">
+                <a16:creationId xmlns:a16="http://schemas.microsoft.com/office/drawing/2014/main" id="{EE8B9E94-A00E-EE1C-E210-857415336DFF}"/>
+              </a:ext>
+            </a:extLst>
+          </p:cNvPr>
+          <p:cNvPicPr>
+            <a:picLocks noChangeAspect="1"/>
+          </p:cNvPicPr>
+          <p:nvPr/>
+        </p:nvPicPr>
+        <p:blipFill>
+          <a:blip r:embed="rId2"/>
+          <a:stretch>
+            <a:fillRect/>
+          </a:stretch>
+        </p:blipFill>
+        <p:spPr>
+          <a:xfrm>
+            <a:off x="432874" y="606249"/>
+            <a:ext cx="7648808" cy="2336758"/>
+          </a:xfrm>
+          <a:prstGeom prst="rect">
+            <a:avLst/>
+          </a:prstGeom>
+        </p:spPr>
+      </p:pic>
+      <p:pic>
+        <p:nvPicPr>
+          <p:cNvPr id="9" name="Imagen 8">
+            <a:extLst>
+              <a:ext uri="{FF2B5EF4-FFF2-40B4-BE49-F238E27FC236}">
+                <a16:creationId xmlns:a16="http://schemas.microsoft.com/office/drawing/2014/main" id="{68CEFEC5-2C50-9572-6FC7-A25BC3CE159F}"/>
+              </a:ext>
+            </a:extLst>
+          </p:cNvPr>
+          <p:cNvPicPr>
+            <a:picLocks noChangeAspect="1"/>
+          </p:cNvPicPr>
+          <p:nvPr/>
+        </p:nvPicPr>
+        <p:blipFill>
+          <a:blip r:embed="rId3"/>
+          <a:stretch>
+            <a:fillRect/>
+          </a:stretch>
+        </p:blipFill>
+        <p:spPr>
+          <a:xfrm>
+            <a:off x="7519909" y="2748018"/>
+            <a:ext cx="4239217" cy="2333951"/>
+          </a:xfrm>
+          <a:prstGeom prst="rect">
+            <a:avLst/>
+          </a:prstGeom>
+        </p:spPr>
+      </p:pic>
+      <p:pic>
+        <p:nvPicPr>
+          <p:cNvPr id="11" name="Imagen 10">
+            <a:extLst>
+              <a:ext uri="{FF2B5EF4-FFF2-40B4-BE49-F238E27FC236}">
+                <a16:creationId xmlns:a16="http://schemas.microsoft.com/office/drawing/2014/main" id="{52A9C479-94F5-6A68-CFA5-9EE5CDEC8ABC}"/>
+              </a:ext>
+            </a:extLst>
+          </p:cNvPr>
+          <p:cNvPicPr>
+            <a:picLocks noChangeAspect="1"/>
+          </p:cNvPicPr>
+          <p:nvPr/>
+        </p:nvPicPr>
+        <p:blipFill>
+          <a:blip r:embed="rId4"/>
+          <a:stretch>
+            <a:fillRect/>
+          </a:stretch>
+        </p:blipFill>
+        <p:spPr>
+          <a:xfrm>
+            <a:off x="297931" y="4452517"/>
+            <a:ext cx="6923140" cy="1799234"/>
+          </a:xfrm>
+          <a:prstGeom prst="rect">
+            <a:avLst/>
+          </a:prstGeom>
+        </p:spPr>
+      </p:pic>
+    </p:spTree>
+    <p:extLst>
+      <p:ext uri="{BB962C8B-B14F-4D97-AF65-F5344CB8AC3E}">
+        <p14:creationId xmlns:p14="http://schemas.microsoft.com/office/powerpoint/2010/main" val="1322795390"/>
+      </p:ext>
+    </p:extLst>
+  </p:cSld>
+  <p:clrMapOvr>
+    <a:masterClrMapping/>
+  </p:clrMapOvr>
+</p:sld>
+</file>
+
+<file path=ppt/slides/slide14.xml><?xml version="1.0" encoding="utf-8"?>
+<p:sld xmlns:a="http://schemas.openxmlformats.org/drawingml/2006/main" xmlns:r="http://schemas.openxmlformats.org/officeDocument/2006/relationships" xmlns:p="http://schemas.openxmlformats.org/presentationml/2006/main">
+  <p:cSld>
+    <p:spTree>
+      <p:nvGrpSpPr>
+        <p:cNvPr id="1" name=""/>
+        <p:cNvGrpSpPr/>
+        <p:nvPr/>
+      </p:nvGrpSpPr>
+      <p:grpSpPr>
+        <a:xfrm>
+          <a:off x="0" y="0"/>
+          <a:ext cx="0" cy="0"/>
+          <a:chOff x="0" y="0"/>
+          <a:chExt cx="0" cy="0"/>
+        </a:xfrm>
+      </p:grpSpPr>
+      <p:sp>
+        <p:nvSpPr>
+          <p:cNvPr id="3" name="Marcador de contenido 2">
+            <a:extLst>
+              <a:ext uri="{FF2B5EF4-FFF2-40B4-BE49-F238E27FC236}">
+                <a16:creationId xmlns:a16="http://schemas.microsoft.com/office/drawing/2014/main" id="{D1DC79B9-3B36-36BB-079C-8BBFC6E3E730}"/>
+              </a:ext>
+            </a:extLst>
+          </p:cNvPr>
+          <p:cNvSpPr>
+            <a:spLocks noGrp="1"/>
+          </p:cNvSpPr>
+          <p:nvPr>
+            <p:ph idx="1"/>
+          </p:nvPr>
+        </p:nvSpPr>
+        <p:spPr>
+          <a:xfrm>
+            <a:off x="1302123" y="717830"/>
+            <a:ext cx="9587753" cy="5422340"/>
+          </a:xfrm>
+        </p:spPr>
+        <p:txBody>
+          <a:bodyPr>
+            <a:normAutofit/>
+          </a:bodyPr>
+          <a:lstStyle/>
+          <a:p>
+            <a:pPr marL="0" indent="0" algn="just">
+              <a:buNone/>
+            </a:pPr>
+            <a:r>
+              <a:rPr lang="es-MX" sz="2400" b="0" i="0" dirty="0">
+                <a:solidFill>
+                  <a:srgbClr val="1F1F1F"/>
+                </a:solidFill>
+                <a:effectLst/>
+                <a:latin typeface="Source Sans Pro" panose="020B0503030403020204" pitchFamily="34" charset="0"/>
+              </a:rPr>
+              <a:t>Los casos prácticos son proyectos de análisis computacional de datos de práctica o ejemplo que puedes crear para tu portfolio. Luego de crear tu portfolio en línea, puedes agregar en tu currículum un enlace que te lleve a él. Tener un portfolio para mostrar quién eres y demostrar tus destrezas te ayudará a destacarte ante posibles empleadores. El caso práctico que completarás en este curso puede ser uno de los ejemplos que agregues a tu portfolio.  </a:t>
+            </a:r>
+          </a:p>
+          <a:p>
+            <a:pPr marL="0" indent="0" algn="just">
+              <a:buNone/>
+            </a:pPr>
+            <a:endParaRPr lang="es-MX" b="0" i="0" dirty="0">
+              <a:solidFill>
+                <a:srgbClr val="1F1F1F"/>
+              </a:solidFill>
+              <a:effectLst/>
+              <a:latin typeface="Source Sans Pro" panose="020B0503030403020204" pitchFamily="34" charset="0"/>
+            </a:endParaRPr>
+          </a:p>
+          <a:p>
+            <a:pPr algn="just"/>
+            <a:r>
+              <a:rPr lang="es-MX" dirty="0">
+                <a:solidFill>
+                  <a:srgbClr val="1F1F1F"/>
+                </a:solidFill>
+                <a:latin typeface="Source Sans Pro" panose="020B0503030403020204" pitchFamily="34" charset="0"/>
+              </a:rPr>
+              <a:t>Sitio WEB</a:t>
+            </a:r>
+          </a:p>
+          <a:p>
+            <a:pPr algn="just"/>
+            <a:r>
+              <a:rPr lang="es-MX" dirty="0" err="1">
+                <a:solidFill>
+                  <a:srgbClr val="1F1F1F"/>
+                </a:solidFill>
+                <a:latin typeface="Source Sans Pro" panose="020B0503030403020204" pitchFamily="34" charset="0"/>
+              </a:rPr>
+              <a:t>Kagle</a:t>
+            </a:r>
+            <a:endParaRPr lang="es-MX" dirty="0">
+              <a:solidFill>
+                <a:srgbClr val="1F1F1F"/>
+              </a:solidFill>
+              <a:latin typeface="Source Sans Pro" panose="020B0503030403020204" pitchFamily="34" charset="0"/>
+            </a:endParaRPr>
+          </a:p>
+          <a:p>
+            <a:pPr algn="just"/>
+            <a:r>
+              <a:rPr lang="es-MX" dirty="0" err="1">
+                <a:solidFill>
+                  <a:srgbClr val="1F1F1F"/>
+                </a:solidFill>
+                <a:latin typeface="Source Sans Pro" panose="020B0503030403020204" pitchFamily="34" charset="0"/>
+              </a:rPr>
+              <a:t>Github</a:t>
+            </a:r>
+            <a:endParaRPr lang="es-MX" dirty="0">
+              <a:solidFill>
+                <a:srgbClr val="1F1F1F"/>
+              </a:solidFill>
+              <a:latin typeface="Source Sans Pro" panose="020B0503030403020204" pitchFamily="34" charset="0"/>
+            </a:endParaRPr>
+          </a:p>
+          <a:p>
+            <a:pPr marL="0" indent="0" algn="just">
+              <a:buNone/>
+            </a:pPr>
+            <a:endParaRPr lang="es-MX" dirty="0"/>
+          </a:p>
+        </p:txBody>
+      </p:sp>
+    </p:spTree>
+    <p:extLst>
+      <p:ext uri="{BB962C8B-B14F-4D97-AF65-F5344CB8AC3E}">
+        <p14:creationId xmlns:p14="http://schemas.microsoft.com/office/powerpoint/2010/main" val="2821139617"/>
+      </p:ext>
+    </p:extLst>
+  </p:cSld>
+  <p:clrMapOvr>
+    <a:masterClrMapping/>
+  </p:clrMapOvr>
+</p:sld>
+</file>
+
+<file path=ppt/slides/slide15.xml><?xml version="1.0" encoding="utf-8"?>
+<p:sld xmlns:a="http://schemas.openxmlformats.org/drawingml/2006/main" xmlns:r="http://schemas.openxmlformats.org/officeDocument/2006/relationships" xmlns:p="http://schemas.openxmlformats.org/presentationml/2006/main">
+  <p:cSld>
+    <p:spTree>
+      <p:nvGrpSpPr>
+        <p:cNvPr id="1" name=""/>
+        <p:cNvGrpSpPr/>
+        <p:nvPr/>
+      </p:nvGrpSpPr>
+      <p:grpSpPr>
+        <a:xfrm>
+          <a:off x="0" y="0"/>
+          <a:ext cx="0" cy="0"/>
+          <a:chOff x="0" y="0"/>
+          <a:chExt cx="0" cy="0"/>
+        </a:xfrm>
+      </p:grpSpPr>
+      <p:pic>
+        <p:nvPicPr>
+          <p:cNvPr id="5" name="Imagen 4">
+            <a:extLst>
+              <a:ext uri="{FF2B5EF4-FFF2-40B4-BE49-F238E27FC236}">
+                <a16:creationId xmlns:a16="http://schemas.microsoft.com/office/drawing/2014/main" id="{8BE2A26B-B547-2F51-E67E-5A2A29FDC8BA}"/>
+              </a:ext>
+            </a:extLst>
+          </p:cNvPr>
+          <p:cNvPicPr>
+            <a:picLocks noChangeAspect="1"/>
+          </p:cNvPicPr>
+          <p:nvPr/>
+        </p:nvPicPr>
+        <p:blipFill>
+          <a:blip r:embed="rId2"/>
+          <a:stretch>
+            <a:fillRect/>
+          </a:stretch>
+        </p:blipFill>
+        <p:spPr>
+          <a:xfrm>
+            <a:off x="496156" y="632093"/>
+            <a:ext cx="8962711" cy="1391579"/>
+          </a:xfrm>
+          <a:prstGeom prst="rect">
+            <a:avLst/>
+          </a:prstGeom>
+        </p:spPr>
+      </p:pic>
+      <p:pic>
+        <p:nvPicPr>
+          <p:cNvPr id="7" name="Imagen 6">
+            <a:extLst>
+              <a:ext uri="{FF2B5EF4-FFF2-40B4-BE49-F238E27FC236}">
+                <a16:creationId xmlns:a16="http://schemas.microsoft.com/office/drawing/2014/main" id="{B304B9F1-D5D7-E417-1753-77936A4C36F8}"/>
+              </a:ext>
+            </a:extLst>
+          </p:cNvPr>
+          <p:cNvPicPr>
+            <a:picLocks noChangeAspect="1"/>
+          </p:cNvPicPr>
+          <p:nvPr/>
+        </p:nvPicPr>
+        <p:blipFill>
+          <a:blip r:embed="rId3"/>
+          <a:stretch>
+            <a:fillRect/>
+          </a:stretch>
+        </p:blipFill>
+        <p:spPr>
+          <a:xfrm>
+            <a:off x="496157" y="2641057"/>
+            <a:ext cx="8846682" cy="646301"/>
+          </a:xfrm>
+          <a:prstGeom prst="rect">
+            <a:avLst/>
+          </a:prstGeom>
+        </p:spPr>
+      </p:pic>
+      <p:pic>
+        <p:nvPicPr>
+          <p:cNvPr id="9" name="Imagen 8">
+            <a:extLst>
+              <a:ext uri="{FF2B5EF4-FFF2-40B4-BE49-F238E27FC236}">
+                <a16:creationId xmlns:a16="http://schemas.microsoft.com/office/drawing/2014/main" id="{7D4B46A1-EBC8-CC00-A6AD-C92CB9A5F588}"/>
+              </a:ext>
+            </a:extLst>
+          </p:cNvPr>
+          <p:cNvPicPr>
+            <a:picLocks noChangeAspect="1"/>
+          </p:cNvPicPr>
+          <p:nvPr/>
+        </p:nvPicPr>
+        <p:blipFill>
+          <a:blip r:embed="rId4"/>
+          <a:stretch>
+            <a:fillRect/>
+          </a:stretch>
+        </p:blipFill>
+        <p:spPr>
+          <a:xfrm>
+            <a:off x="496157" y="4172215"/>
+            <a:ext cx="8086214" cy="1098324"/>
+          </a:xfrm>
+          <a:prstGeom prst="rect">
+            <a:avLst/>
+          </a:prstGeom>
+        </p:spPr>
+      </p:pic>
+    </p:spTree>
+    <p:extLst>
+      <p:ext uri="{BB962C8B-B14F-4D97-AF65-F5344CB8AC3E}">
+        <p14:creationId xmlns:p14="http://schemas.microsoft.com/office/powerpoint/2010/main" val="3754913596"/>
+      </p:ext>
+    </p:extLst>
+  </p:cSld>
+  <p:clrMapOvr>
+    <a:masterClrMapping/>
+  </p:clrMapOvr>
+</p:sld>
+</file>
+
+<file path=ppt/slides/slide16.xml><?xml version="1.0" encoding="utf-8"?>
+<p:sld xmlns:a="http://schemas.openxmlformats.org/drawingml/2006/main" xmlns:r="http://schemas.openxmlformats.org/officeDocument/2006/relationships" xmlns:p="http://schemas.openxmlformats.org/presentationml/2006/main">
+  <p:cSld>
+    <p:spTree>
+      <p:nvGrpSpPr>
+        <p:cNvPr id="1" name=""/>
+        <p:cNvGrpSpPr/>
+        <p:nvPr/>
+      </p:nvGrpSpPr>
+      <p:grpSpPr>
+        <a:xfrm>
+          <a:off x="0" y="0"/>
+          <a:ext cx="0" cy="0"/>
+          <a:chOff x="0" y="0"/>
+          <a:chExt cx="0" cy="0"/>
+        </a:xfrm>
+      </p:grpSpPr>
+      <p:sp>
+        <p:nvSpPr>
+          <p:cNvPr id="3" name="Marcador de contenido 2">
+            <a:extLst>
+              <a:ext uri="{FF2B5EF4-FFF2-40B4-BE49-F238E27FC236}">
+                <a16:creationId xmlns:a16="http://schemas.microsoft.com/office/drawing/2014/main" id="{A055D896-DF6A-C7B8-17C7-0FFC2D56593F}"/>
+              </a:ext>
+            </a:extLst>
+          </p:cNvPr>
+          <p:cNvSpPr>
+            <a:spLocks noGrp="1"/>
+          </p:cNvSpPr>
+          <p:nvPr>
+            <p:ph idx="1"/>
+          </p:nvPr>
+        </p:nvSpPr>
+        <p:spPr>
+          <a:xfrm>
+            <a:off x="461681" y="467472"/>
+            <a:ext cx="11264153" cy="5879540"/>
+          </a:xfrm>
+        </p:spPr>
+        <p:txBody>
+          <a:bodyPr>
+            <a:normAutofit fontScale="77500" lnSpcReduction="20000"/>
+          </a:bodyPr>
+          <a:lstStyle/>
+          <a:p>
+            <a:pPr algn="ctr">
+              <a:buNone/>
+            </a:pPr>
+            <a:r>
+              <a:rPr lang="es-MX" b="1" i="0" dirty="0">
+                <a:solidFill>
+                  <a:srgbClr val="7030A0"/>
+                </a:solidFill>
+                <a:effectLst/>
+                <a:latin typeface="unset"/>
+              </a:rPr>
+              <a:t>Qué incluir en tu portfolio</a:t>
+            </a:r>
+          </a:p>
+          <a:p>
+            <a:pPr algn="ctr">
+              <a:buNone/>
+            </a:pPr>
+            <a:endParaRPr lang="es-MX" b="1" i="0" dirty="0">
+              <a:solidFill>
+                <a:srgbClr val="7030A0"/>
+              </a:solidFill>
+              <a:effectLst/>
+              <a:latin typeface="Source Sans Pro" panose="020B0503030403020204" pitchFamily="34" charset="0"/>
+            </a:endParaRPr>
+          </a:p>
+          <a:p>
+            <a:pPr algn="l">
+              <a:buNone/>
+            </a:pPr>
+            <a:r>
+              <a:rPr lang="es-MX" dirty="0">
+                <a:solidFill>
+                  <a:srgbClr val="1F1F1F"/>
+                </a:solidFill>
+                <a:latin typeface="Source Sans Pro" panose="020B0503030403020204" pitchFamily="34" charset="0"/>
+              </a:rPr>
+              <a:t>P</a:t>
+            </a:r>
+            <a:r>
+              <a:rPr lang="es-MX" b="0" i="0" dirty="0">
+                <a:solidFill>
+                  <a:srgbClr val="1F1F1F"/>
+                </a:solidFill>
+                <a:effectLst/>
+                <a:latin typeface="Source Sans Pro" panose="020B0503030403020204" pitchFamily="34" charset="0"/>
+              </a:rPr>
+              <a:t>uedes crear un excelente portfolio que represente tus nuevas destrezas y ofrezca información sobre quién eres. Asegúrate de incluir lo siguiente en tu portfolio:</a:t>
+            </a:r>
+          </a:p>
+          <a:p>
+            <a:pPr algn="l">
+              <a:buFont typeface="Arial" panose="020B0604020202020204" pitchFamily="34" charset="0"/>
+              <a:buChar char="•"/>
+            </a:pPr>
+            <a:r>
+              <a:rPr lang="es-MX" b="1" i="0" dirty="0">
+                <a:solidFill>
+                  <a:srgbClr val="1F1F1F"/>
+                </a:solidFill>
+                <a:effectLst/>
+                <a:latin typeface="unset"/>
+              </a:rPr>
+              <a:t>Biografía:</a:t>
+            </a:r>
+            <a:r>
+              <a:rPr lang="es-MX" b="0" i="0" dirty="0">
+                <a:solidFill>
+                  <a:srgbClr val="1F1F1F"/>
+                </a:solidFill>
+                <a:effectLst/>
+                <a:latin typeface="var(--cds-font-family-source-sans-pro)"/>
+              </a:rPr>
+              <a:t> El enfoque principal de tu portfolio es </a:t>
+            </a:r>
+            <a:r>
+              <a:rPr lang="es-MX" b="0" i="0" dirty="0">
+                <a:solidFill>
+                  <a:srgbClr val="00B0F0"/>
+                </a:solidFill>
+                <a:effectLst/>
+                <a:latin typeface="var(--cds-font-family-source-sans-pro)"/>
+              </a:rPr>
+              <a:t>presentarte a ti mismo de manera sólida y memorable.</a:t>
+            </a:r>
+            <a:r>
+              <a:rPr lang="es-MX" b="0" i="0" dirty="0">
+                <a:solidFill>
+                  <a:srgbClr val="1F1F1F"/>
+                </a:solidFill>
+                <a:effectLst/>
+                <a:latin typeface="var(--cds-font-family-source-sans-pro)"/>
+              </a:rPr>
+              <a:t> Escribe una introducción concisa y clara sobre ti mismo. El objetivo es </a:t>
+            </a:r>
+            <a:r>
+              <a:rPr lang="es-MX" b="0" i="0" dirty="0">
+                <a:solidFill>
+                  <a:srgbClr val="00B0F0"/>
+                </a:solidFill>
+                <a:effectLst/>
+                <a:latin typeface="var(--cds-font-family-source-sans-pro)"/>
+              </a:rPr>
+              <a:t>capturar el interés del público y hacer que quieran conocerte para saber más. </a:t>
+            </a:r>
+          </a:p>
+          <a:p>
+            <a:pPr algn="l">
+              <a:buFont typeface="Arial" panose="020B0604020202020204" pitchFamily="34" charset="0"/>
+              <a:buChar char="•"/>
+            </a:pPr>
+            <a:r>
+              <a:rPr lang="es-MX" b="1" i="0" dirty="0">
+                <a:solidFill>
+                  <a:srgbClr val="1F1F1F"/>
+                </a:solidFill>
+                <a:effectLst/>
+                <a:latin typeface="unset"/>
+              </a:rPr>
+              <a:t>Página de contacto:</a:t>
+            </a:r>
+            <a:r>
+              <a:rPr lang="es-MX" b="0" i="0" dirty="0">
+                <a:solidFill>
+                  <a:srgbClr val="1F1F1F"/>
+                </a:solidFill>
+                <a:effectLst/>
+                <a:latin typeface="var(--cds-font-family-source-sans-pro)"/>
+              </a:rPr>
+              <a:t> Asegúrate de </a:t>
+            </a:r>
+            <a:r>
+              <a:rPr lang="es-MX" b="0" i="0" dirty="0">
+                <a:solidFill>
+                  <a:srgbClr val="00B0F0"/>
+                </a:solidFill>
+                <a:effectLst/>
+                <a:latin typeface="var(--cds-font-family-source-sans-pro)"/>
+              </a:rPr>
+              <a:t>incluir una forma para que otros se comuniquen contigo, ya sea por correo electrónico, llamada telefónica</a:t>
+            </a:r>
+            <a:r>
+              <a:rPr lang="es-MX" b="0" i="0" dirty="0">
+                <a:solidFill>
+                  <a:srgbClr val="1F1F1F"/>
+                </a:solidFill>
+                <a:effectLst/>
+                <a:latin typeface="var(--cds-font-family-source-sans-pro)"/>
+              </a:rPr>
+              <a:t> (si te sientes cómodo) o nombres de usuario de redes sociales (especialmente LinkedIn). Es posible que tu sitio web tenga su propio formulario de contacto incorporado si utilizas creadores comunes de sitios web. </a:t>
+            </a:r>
+          </a:p>
+          <a:p>
+            <a:pPr algn="l">
+              <a:buFont typeface="Arial" panose="020B0604020202020204" pitchFamily="34" charset="0"/>
+              <a:buChar char="•"/>
+            </a:pPr>
+            <a:r>
+              <a:rPr lang="es-MX" b="1" i="0" dirty="0">
+                <a:solidFill>
+                  <a:srgbClr val="1F1F1F"/>
+                </a:solidFill>
+                <a:effectLst/>
+                <a:latin typeface="unset"/>
+              </a:rPr>
+              <a:t>Currículum:</a:t>
+            </a:r>
+            <a:r>
+              <a:rPr lang="es-MX" b="0" i="0" dirty="0">
+                <a:solidFill>
+                  <a:srgbClr val="1F1F1F"/>
+                </a:solidFill>
+                <a:effectLst/>
+                <a:latin typeface="var(--cds-font-family-source-sans-pro)"/>
+              </a:rPr>
+              <a:t> En lecturas anteriores</a:t>
+            </a:r>
+            <a:r>
+              <a:rPr lang="es-MX" b="0" i="0" dirty="0">
+                <a:solidFill>
+                  <a:srgbClr val="00B0F0"/>
+                </a:solidFill>
+                <a:effectLst/>
+                <a:latin typeface="var(--cds-font-family-source-sans-pro)"/>
+              </a:rPr>
+              <a:t>,</a:t>
+            </a:r>
+            <a:r>
+              <a:rPr lang="es-MX" b="0" i="0" u="sng" dirty="0">
+                <a:solidFill>
+                  <a:srgbClr val="00B0F0"/>
+                </a:solidFill>
+                <a:effectLst/>
+                <a:latin typeface="var(--cds-font-family-source-sans-pro)"/>
+                <a:hlinkClick r:id="rId2">
+                  <a:extLst>
+                    <a:ext uri="{A12FA001-AC4F-418D-AE19-62706E023703}">
+                      <ahyp:hlinkClr xmlns:ahyp="http://schemas.microsoft.com/office/drawing/2018/hyperlinkcolor" val="tx"/>
+                    </a:ext>
+                  </a:extLst>
+                </a:hlinkClick>
+              </a:rPr>
+              <a:t> Agregar habilidades profesionales a tu currículum</a:t>
+            </a:r>
+            <a:r>
+              <a:rPr lang="es-MX" b="0" i="0" dirty="0">
+                <a:solidFill>
+                  <a:srgbClr val="00B0F0"/>
+                </a:solidFill>
+                <a:effectLst/>
+                <a:latin typeface="var(--cds-font-family-source-sans-pro)"/>
+              </a:rPr>
+              <a:t> y</a:t>
+            </a:r>
+            <a:r>
+              <a:rPr lang="es-MX" b="0" i="0" u="sng" dirty="0">
+                <a:solidFill>
+                  <a:srgbClr val="00B0F0"/>
+                </a:solidFill>
+                <a:effectLst/>
+                <a:latin typeface="var(--cds-font-family-source-sans-pro)"/>
+                <a:hlinkClick r:id="rId2">
+                  <a:extLst>
+                    <a:ext uri="{A12FA001-AC4F-418D-AE19-62706E023703}">
+                      <ahyp:hlinkClr xmlns:ahyp="http://schemas.microsoft.com/office/drawing/2018/hyperlinkcolor" val="tx"/>
+                    </a:ext>
+                  </a:extLst>
+                </a:hlinkClick>
+              </a:rPr>
+              <a:t> Agregar habilidades interpersonales a tu currículum</a:t>
+            </a:r>
+            <a:r>
+              <a:rPr lang="es-MX" b="0" i="0" dirty="0">
+                <a:solidFill>
+                  <a:srgbClr val="1F1F1F"/>
+                </a:solidFill>
+                <a:effectLst/>
+                <a:latin typeface="var(--cds-font-family-source-sans-pro)"/>
+              </a:rPr>
+              <a:t>, aprendiste a elaborar un currículum que refleje tus destrezas y tu experiencia. Asegúrate de incluir un currículum en alguna parte de tu portfolio.</a:t>
+            </a:r>
+          </a:p>
+          <a:p>
+            <a:pPr algn="l">
+              <a:buFont typeface="Arial" panose="020B0604020202020204" pitchFamily="34" charset="0"/>
+              <a:buChar char="•"/>
+            </a:pPr>
+            <a:r>
+              <a:rPr lang="es-MX" b="1" i="0" dirty="0">
+                <a:solidFill>
+                  <a:srgbClr val="1F1F1F"/>
+                </a:solidFill>
+                <a:effectLst/>
+                <a:latin typeface="unset"/>
+              </a:rPr>
+              <a:t>Logros:</a:t>
+            </a:r>
+            <a:r>
+              <a:rPr lang="es-MX" b="0" i="0" dirty="0">
+                <a:solidFill>
+                  <a:srgbClr val="1F1F1F"/>
+                </a:solidFill>
+                <a:effectLst/>
+                <a:latin typeface="var(--cds-font-family-source-sans-pro)"/>
+              </a:rPr>
+              <a:t> No te encuentras limitado solamente a experiencias pasadas. Se deben incluir todos los </a:t>
+            </a:r>
+            <a:r>
+              <a:rPr lang="es-MX" b="0" i="0" dirty="0">
+                <a:solidFill>
+                  <a:srgbClr val="00B0F0"/>
+                </a:solidFill>
+                <a:effectLst/>
+                <a:latin typeface="var(--cds-font-family-source-sans-pro)"/>
+              </a:rPr>
+              <a:t>aspectos presentes destacados relacionados con la carrera que se te ocurran</a:t>
+            </a:r>
+            <a:r>
+              <a:rPr lang="es-MX" b="0" i="0" dirty="0">
+                <a:solidFill>
+                  <a:srgbClr val="1F1F1F"/>
+                </a:solidFill>
+                <a:effectLst/>
+                <a:latin typeface="var(--cds-font-family-source-sans-pro)"/>
+              </a:rPr>
+              <a:t>. Puede tratarse de cualquier </a:t>
+            </a:r>
+            <a:r>
+              <a:rPr lang="es-MX" b="0" i="0" dirty="0">
+                <a:solidFill>
+                  <a:srgbClr val="00B0F0"/>
+                </a:solidFill>
+                <a:effectLst/>
+                <a:latin typeface="var(--cds-font-family-source-sans-pro)"/>
+              </a:rPr>
+              <a:t>certificación que hayas obtenido, eventos de análisis computacional de datos a los que hayas asistido</a:t>
+            </a:r>
+            <a:r>
+              <a:rPr lang="es-MX" b="0" i="0" dirty="0">
+                <a:solidFill>
+                  <a:srgbClr val="1F1F1F"/>
+                </a:solidFill>
+                <a:effectLst/>
+                <a:latin typeface="var(--cds-font-family-source-sans-pro)"/>
+              </a:rPr>
+              <a:t> o incluso publicaciones de blog que hayas publicado.</a:t>
+            </a:r>
+          </a:p>
+          <a:p>
+            <a:pPr algn="l">
+              <a:buFont typeface="Arial" panose="020B0604020202020204" pitchFamily="34" charset="0"/>
+              <a:buChar char="•"/>
+            </a:pPr>
+            <a:r>
+              <a:rPr lang="es-MX" b="1" i="0" dirty="0">
+                <a:solidFill>
+                  <a:srgbClr val="1F1F1F"/>
+                </a:solidFill>
+                <a:effectLst/>
+                <a:latin typeface="unset"/>
+              </a:rPr>
+              <a:t>Una imagen tuya (opcional):</a:t>
+            </a:r>
+            <a:r>
+              <a:rPr lang="es-MX" b="0" i="0" dirty="0">
+                <a:solidFill>
+                  <a:srgbClr val="1F1F1F"/>
+                </a:solidFill>
+                <a:effectLst/>
+                <a:latin typeface="var(--cds-font-family-source-sans-pro)"/>
+              </a:rPr>
+              <a:t> Agrega un toque personal con una fotografía tuya. Todo lo que necesitas </a:t>
+            </a:r>
+            <a:r>
+              <a:rPr lang="es-MX" b="0" i="0" dirty="0">
+                <a:solidFill>
+                  <a:srgbClr val="00B0F0"/>
+                </a:solidFill>
+                <a:effectLst/>
+                <a:latin typeface="var(--cds-font-family-source-sans-pro)"/>
+              </a:rPr>
+              <a:t>es una fotografía simple y clara que te represente bien</a:t>
+            </a:r>
+            <a:r>
+              <a:rPr lang="es-MX" b="0" i="0" dirty="0">
+                <a:solidFill>
+                  <a:srgbClr val="1F1F1F"/>
+                </a:solidFill>
+                <a:effectLst/>
+                <a:latin typeface="var(--cds-font-family-source-sans-pro)"/>
+              </a:rPr>
+              <a:t>.</a:t>
+            </a:r>
+          </a:p>
+          <a:p>
+            <a:pPr marL="0" indent="0">
+              <a:buNone/>
+            </a:pPr>
+            <a:endParaRPr lang="es-MX" dirty="0"/>
+          </a:p>
+        </p:txBody>
+      </p:sp>
+    </p:spTree>
+    <p:extLst>
+      <p:ext uri="{BB962C8B-B14F-4D97-AF65-F5344CB8AC3E}">
+        <p14:creationId xmlns:p14="http://schemas.microsoft.com/office/powerpoint/2010/main" val="817709594"/>
+      </p:ext>
+    </p:extLst>
+  </p:cSld>
+  <p:clrMapOvr>
+    <a:masterClrMapping/>
+  </p:clrMapOvr>
+</p:sld>
+</file>
+
+<file path=ppt/slides/slide17.xml><?xml version="1.0" encoding="utf-8"?>
+<p:sld xmlns:a="http://schemas.openxmlformats.org/drawingml/2006/main" xmlns:r="http://schemas.openxmlformats.org/officeDocument/2006/relationships" xmlns:p="http://schemas.openxmlformats.org/presentationml/2006/main">
+  <p:cSld>
+    <p:spTree>
+      <p:nvGrpSpPr>
+        <p:cNvPr id="1" name=""/>
+        <p:cNvGrpSpPr/>
+        <p:nvPr/>
+      </p:nvGrpSpPr>
+      <p:grpSpPr>
+        <a:xfrm>
+          <a:off x="0" y="0"/>
+          <a:ext cx="0" cy="0"/>
+          <a:chOff x="0" y="0"/>
+          <a:chExt cx="0" cy="0"/>
+        </a:xfrm>
+      </p:grpSpPr>
+      <p:sp>
+        <p:nvSpPr>
+          <p:cNvPr id="3" name="Marcador de contenido 2">
+            <a:extLst>
+              <a:ext uri="{FF2B5EF4-FFF2-40B4-BE49-F238E27FC236}">
+                <a16:creationId xmlns:a16="http://schemas.microsoft.com/office/drawing/2014/main" id="{F9D8EFBD-DB02-47AF-6825-A225B9CE9339}"/>
+              </a:ext>
+            </a:extLst>
+          </p:cNvPr>
+          <p:cNvSpPr>
+            <a:spLocks noGrp="1"/>
+          </p:cNvSpPr>
+          <p:nvPr>
+            <p:ph idx="1"/>
+          </p:nvPr>
+        </p:nvSpPr>
+        <p:spPr>
+          <a:xfrm>
+            <a:off x="327212" y="373342"/>
+            <a:ext cx="11223812" cy="6229163"/>
+          </a:xfrm>
+        </p:spPr>
+        <p:txBody>
+          <a:bodyPr>
+            <a:normAutofit fontScale="77500" lnSpcReduction="20000"/>
+          </a:bodyPr>
+          <a:lstStyle/>
+          <a:p>
+            <a:pPr algn="ctr">
+              <a:buNone/>
+            </a:pPr>
+            <a:r>
+              <a:rPr lang="es-MX" b="1" i="0" dirty="0">
+                <a:solidFill>
+                  <a:srgbClr val="1F1F1F"/>
+                </a:solidFill>
+                <a:effectLst/>
+                <a:latin typeface="unset"/>
+              </a:rPr>
+              <a:t>Qué incluir en un caso práctico</a:t>
+            </a:r>
+          </a:p>
+          <a:p>
+            <a:pPr algn="ctr">
+              <a:buNone/>
+            </a:pPr>
+            <a:endParaRPr lang="es-MX" b="1" i="0" dirty="0">
+              <a:solidFill>
+                <a:srgbClr val="1F1F1F"/>
+              </a:solidFill>
+              <a:effectLst/>
+              <a:latin typeface="Source Sans Pro" panose="020B0503030403020204" pitchFamily="34" charset="0"/>
+            </a:endParaRPr>
+          </a:p>
+          <a:p>
+            <a:pPr algn="l">
+              <a:buNone/>
+            </a:pPr>
+            <a:r>
+              <a:rPr lang="es-MX" b="0" i="0" dirty="0">
+                <a:solidFill>
+                  <a:srgbClr val="1F1F1F"/>
+                </a:solidFill>
+                <a:effectLst/>
+                <a:latin typeface="Source Sans Pro" panose="020B0503030403020204" pitchFamily="34" charset="0"/>
+              </a:rPr>
+              <a:t>Durante el proceso de entrevista, es muy probable que te enfrentes con la entrevista del caso práctico. En esta entrevista, se te proporcionará un escenario relacionado con el negocio en el que deberás analizar un problema y encontrar la mejor solución. El tiempo que tendrás para resolverlo será limitado, por lo que es mejor estar preparado para cualquier escenario que se te presente. Un excelente caso práctico constará de lo siguiente:</a:t>
+            </a:r>
+          </a:p>
+          <a:p>
+            <a:pPr algn="l">
+              <a:buFont typeface="Arial" panose="020B0604020202020204" pitchFamily="34" charset="0"/>
+              <a:buChar char="•"/>
+            </a:pPr>
+            <a:r>
+              <a:rPr lang="es-MX" b="1" i="0" dirty="0">
+                <a:solidFill>
+                  <a:srgbClr val="1F1F1F"/>
+                </a:solidFill>
+                <a:effectLst/>
+                <a:latin typeface="unset"/>
+              </a:rPr>
+              <a:t>Introducción</a:t>
+            </a:r>
+            <a:r>
+              <a:rPr lang="es-MX" b="0" i="0" dirty="0">
+                <a:solidFill>
+                  <a:srgbClr val="1F1F1F"/>
+                </a:solidFill>
+                <a:effectLst/>
+                <a:latin typeface="var(--cds-font-family-source-sans-pro)"/>
+              </a:rPr>
+              <a:t>: </a:t>
+            </a:r>
+            <a:r>
+              <a:rPr lang="es-MX" b="0" i="0" dirty="0">
+                <a:solidFill>
+                  <a:srgbClr val="00B0F0"/>
+                </a:solidFill>
+                <a:effectLst/>
+                <a:latin typeface="var(--cds-font-family-source-sans-pro)"/>
+              </a:rPr>
+              <a:t>Asegúrate de establecer el propósito del caso práctico</a:t>
+            </a:r>
+            <a:r>
+              <a:rPr lang="es-MX" b="0" i="0" dirty="0">
+                <a:solidFill>
+                  <a:srgbClr val="1F1F1F"/>
+                </a:solidFill>
+                <a:effectLst/>
+                <a:latin typeface="var(--cds-font-family-source-sans-pro)"/>
+              </a:rPr>
+              <a:t>. Esto incluye cuál es el escenario y una explicación sobre cómo se relaciona con un obstáculo del mundo real. Siéntete libre de anotar cualquier suposición o teoría que puedas tener dependiendo de la información proporcionada. </a:t>
+            </a:r>
+          </a:p>
+          <a:p>
+            <a:pPr algn="l">
+              <a:buFont typeface="Arial" panose="020B0604020202020204" pitchFamily="34" charset="0"/>
+              <a:buChar char="•"/>
+            </a:pPr>
+            <a:r>
+              <a:rPr lang="es-MX" b="1" i="0" dirty="0">
+                <a:solidFill>
+                  <a:srgbClr val="1F1F1F"/>
+                </a:solidFill>
+                <a:effectLst/>
+                <a:latin typeface="unset"/>
+              </a:rPr>
+              <a:t>Problemas:</a:t>
+            </a:r>
+            <a:r>
+              <a:rPr lang="es-MX" b="0" i="0" dirty="0">
+                <a:solidFill>
+                  <a:srgbClr val="1F1F1F"/>
+                </a:solidFill>
+                <a:effectLst/>
+                <a:latin typeface="var(--cds-font-family-source-sans-pro)"/>
+              </a:rPr>
+              <a:t> </a:t>
+            </a:r>
+            <a:r>
+              <a:rPr lang="es-MX" b="0" i="0" dirty="0">
+                <a:solidFill>
+                  <a:srgbClr val="00B0F0"/>
+                </a:solidFill>
+                <a:effectLst/>
+                <a:latin typeface="var(--cds-font-family-source-sans-pro)"/>
+              </a:rPr>
+              <a:t>Debes identificar cuáles son los principales problemas</a:t>
+            </a:r>
+            <a:r>
+              <a:rPr lang="es-MX" b="0" i="0" dirty="0">
+                <a:solidFill>
+                  <a:srgbClr val="1F1F1F"/>
+                </a:solidFill>
+                <a:effectLst/>
+                <a:latin typeface="var(--cds-font-family-source-sans-pro)"/>
+              </a:rPr>
+              <a:t>, explicar cómo analizaste el problema y presentar los hechos que estés usando para respaldar tus resultados.</a:t>
+            </a:r>
+          </a:p>
+          <a:p>
+            <a:pPr algn="l">
+              <a:buFont typeface="Arial" panose="020B0604020202020204" pitchFamily="34" charset="0"/>
+              <a:buChar char="•"/>
+            </a:pPr>
+            <a:r>
+              <a:rPr lang="es-MX" b="1" i="0" dirty="0">
+                <a:solidFill>
+                  <a:srgbClr val="1F1F1F"/>
+                </a:solidFill>
+                <a:effectLst/>
+                <a:latin typeface="unset"/>
+              </a:rPr>
+              <a:t>Soluciones:</a:t>
+            </a:r>
+            <a:r>
+              <a:rPr lang="es-MX" b="0" i="0" dirty="0">
+                <a:solidFill>
+                  <a:srgbClr val="1F1F1F"/>
+                </a:solidFill>
+                <a:effectLst/>
+                <a:latin typeface="var(--cds-font-family-source-sans-pro)"/>
+              </a:rPr>
+              <a:t> Describe una </a:t>
+            </a:r>
+            <a:r>
+              <a:rPr lang="es-MX" b="0" i="0" dirty="0">
+                <a:solidFill>
+                  <a:srgbClr val="00B0F0"/>
+                </a:solidFill>
+                <a:effectLst/>
+                <a:latin typeface="var(--cds-font-family-source-sans-pro)"/>
+              </a:rPr>
+              <a:t>solución que mejoraría el problema </a:t>
+            </a:r>
+            <a:r>
+              <a:rPr lang="es-MX" b="0" i="0" dirty="0">
+                <a:solidFill>
+                  <a:srgbClr val="1F1F1F"/>
+                </a:solidFill>
+                <a:effectLst/>
+                <a:latin typeface="var(--cds-font-family-source-sans-pro)"/>
+              </a:rPr>
+              <a:t>y ten en mente algunas alternativas para demostrar que has pensado mucho en el caso práctico. No olvides </a:t>
+            </a:r>
+            <a:r>
+              <a:rPr lang="es-MX" b="0" i="0" dirty="0">
+                <a:solidFill>
+                  <a:srgbClr val="00B0F0"/>
+                </a:solidFill>
+                <a:effectLst/>
+                <a:latin typeface="var(--cds-font-family-source-sans-pro)"/>
+              </a:rPr>
+              <a:t>incluir pros y contras para cada solución.</a:t>
+            </a:r>
+          </a:p>
+          <a:p>
+            <a:pPr algn="l">
+              <a:buFont typeface="Arial" panose="020B0604020202020204" pitchFamily="34" charset="0"/>
+              <a:buChar char="•"/>
+            </a:pPr>
+            <a:r>
+              <a:rPr lang="es-MX" b="1" i="0" dirty="0">
+                <a:solidFill>
+                  <a:srgbClr val="1F1F1F"/>
+                </a:solidFill>
+                <a:effectLst/>
+                <a:latin typeface="unset"/>
+              </a:rPr>
+              <a:t>Conclusión:</a:t>
+            </a:r>
+            <a:r>
+              <a:rPr lang="es-MX" b="0" i="0" dirty="0">
+                <a:solidFill>
+                  <a:srgbClr val="1F1F1F"/>
+                </a:solidFill>
+                <a:effectLst/>
+                <a:latin typeface="var(--cds-font-family-source-sans-pro)"/>
+              </a:rPr>
+              <a:t> Finaliza tu presentación </a:t>
+            </a:r>
+            <a:r>
+              <a:rPr lang="es-MX" b="0" i="0" dirty="0">
+                <a:solidFill>
+                  <a:srgbClr val="00B0F0"/>
+                </a:solidFill>
+                <a:effectLst/>
+                <a:latin typeface="var(--cds-font-family-source-sans-pro)"/>
+              </a:rPr>
+              <a:t>resumiendo los puntos clave de todas las soluciones de problemas que realizaste, destacando qué aprendiste de esto.</a:t>
+            </a:r>
+          </a:p>
+          <a:p>
+            <a:pPr algn="l">
+              <a:buFont typeface="Arial" panose="020B0604020202020204" pitchFamily="34" charset="0"/>
+              <a:buChar char="•"/>
+            </a:pPr>
+            <a:r>
+              <a:rPr lang="es-MX" b="1" i="0" dirty="0">
+                <a:solidFill>
+                  <a:srgbClr val="1F1F1F"/>
+                </a:solidFill>
+                <a:effectLst/>
+                <a:latin typeface="unset"/>
+              </a:rPr>
+              <a:t>Próximos pasos:</a:t>
+            </a:r>
+            <a:r>
+              <a:rPr lang="es-MX" b="0" i="0" dirty="0">
+                <a:solidFill>
+                  <a:srgbClr val="1F1F1F"/>
+                </a:solidFill>
+                <a:effectLst/>
+                <a:latin typeface="var(--cds-font-family-source-sans-pro)"/>
+              </a:rPr>
+              <a:t> Elige la </a:t>
+            </a:r>
+            <a:r>
+              <a:rPr lang="es-MX" b="0" i="0" dirty="0">
+                <a:solidFill>
+                  <a:srgbClr val="00B0F0"/>
+                </a:solidFill>
+                <a:effectLst/>
+                <a:latin typeface="var(--cds-font-family-source-sans-pro)"/>
+              </a:rPr>
+              <a:t>mejor solución y propón recomendaciones</a:t>
+            </a:r>
+            <a:r>
+              <a:rPr lang="es-MX" b="0" i="0" dirty="0">
+                <a:solidFill>
+                  <a:srgbClr val="1F1F1F"/>
+                </a:solidFill>
+                <a:effectLst/>
+                <a:latin typeface="var(--cds-font-family-source-sans-pro)"/>
+              </a:rPr>
+              <a:t> para que el cliente o la empresa las apliquen. Explica la razón de tu elección y la manera en que esto afectará el escenario de forma positiva. </a:t>
+            </a:r>
+            <a:r>
+              <a:rPr lang="es-MX" b="0" i="0" dirty="0">
+                <a:solidFill>
+                  <a:srgbClr val="00B0F0"/>
+                </a:solidFill>
+                <a:effectLst/>
+                <a:latin typeface="var(--cds-font-family-source-sans-pro)"/>
+              </a:rPr>
+              <a:t>Sé específico y explica qué hay que hacer, quién debe hacerlo y cuándo.</a:t>
+            </a:r>
+          </a:p>
+          <a:p>
+            <a:pPr marL="0" indent="0">
+              <a:buNone/>
+            </a:pPr>
+            <a:endParaRPr lang="es-MX" dirty="0"/>
+          </a:p>
+        </p:txBody>
+      </p:sp>
+    </p:spTree>
+    <p:extLst>
+      <p:ext uri="{BB962C8B-B14F-4D97-AF65-F5344CB8AC3E}">
+        <p14:creationId xmlns:p14="http://schemas.microsoft.com/office/powerpoint/2010/main" val="3054353013"/>
+      </p:ext>
+    </p:extLst>
+  </p:cSld>
+  <p:clrMapOvr>
+    <a:masterClrMapping/>
+  </p:clrMapOvr>
+</p:sld>
+</file>
+
+<file path=ppt/slides/slide18.xml><?xml version="1.0" encoding="utf-8"?>
+<p:sld xmlns:a="http://schemas.openxmlformats.org/drawingml/2006/main" xmlns:r="http://schemas.openxmlformats.org/officeDocument/2006/relationships" xmlns:p="http://schemas.openxmlformats.org/presentationml/2006/main">
+  <p:cSld>
+    <p:spTree>
+      <p:nvGrpSpPr>
+        <p:cNvPr id="1" name=""/>
+        <p:cNvGrpSpPr/>
+        <p:nvPr/>
+      </p:nvGrpSpPr>
+      <p:grpSpPr>
+        <a:xfrm>
+          <a:off x="0" y="0"/>
+          <a:ext cx="0" cy="0"/>
+          <a:chOff x="0" y="0"/>
+          <a:chExt cx="0" cy="0"/>
+        </a:xfrm>
+      </p:grpSpPr>
+      <p:pic>
+        <p:nvPicPr>
+          <p:cNvPr id="5" name="Imagen 4">
+            <a:extLst>
+              <a:ext uri="{FF2B5EF4-FFF2-40B4-BE49-F238E27FC236}">
+                <a16:creationId xmlns:a16="http://schemas.microsoft.com/office/drawing/2014/main" id="{F9349DE9-916F-D62C-9100-63F23354EB04}"/>
+              </a:ext>
+            </a:extLst>
+          </p:cNvPr>
+          <p:cNvPicPr>
+            <a:picLocks noChangeAspect="1"/>
+          </p:cNvPicPr>
+          <p:nvPr/>
+        </p:nvPicPr>
+        <p:blipFill>
+          <a:blip r:embed="rId2"/>
+          <a:stretch>
+            <a:fillRect/>
+          </a:stretch>
+        </p:blipFill>
+        <p:spPr>
+          <a:xfrm>
+            <a:off x="1401946" y="66152"/>
+            <a:ext cx="8993071" cy="6725696"/>
+          </a:xfrm>
+          <a:prstGeom prst="rect">
+            <a:avLst/>
+          </a:prstGeom>
+        </p:spPr>
+      </p:pic>
+    </p:spTree>
+    <p:extLst>
+      <p:ext uri="{BB962C8B-B14F-4D97-AF65-F5344CB8AC3E}">
+        <p14:creationId xmlns:p14="http://schemas.microsoft.com/office/powerpoint/2010/main" val="3613453672"/>
+      </p:ext>
+    </p:extLst>
+  </p:cSld>
+  <p:clrMapOvr>
+    <a:masterClrMapping/>
+  </p:clrMapOvr>
+</p:sld>
+</file>
+
+<file path=ppt/slides/slide19.xml><?xml version="1.0" encoding="utf-8"?>
+<p:sld xmlns:a="http://schemas.openxmlformats.org/drawingml/2006/main" xmlns:r="http://schemas.openxmlformats.org/officeDocument/2006/relationships" xmlns:p="http://schemas.openxmlformats.org/presentationml/2006/main">
+  <p:cSld>
+    <p:spTree>
+      <p:nvGrpSpPr>
+        <p:cNvPr id="1" name=""/>
+        <p:cNvGrpSpPr/>
+        <p:nvPr/>
+      </p:nvGrpSpPr>
+      <p:grpSpPr>
+        <a:xfrm>
+          <a:off x="0" y="0"/>
+          <a:ext cx="0" cy="0"/>
+          <a:chOff x="0" y="0"/>
+          <a:chExt cx="0" cy="0"/>
+        </a:xfrm>
+      </p:grpSpPr>
+      <p:sp>
+        <p:nvSpPr>
+          <p:cNvPr id="3" name="Marcador de contenido 2">
+            <a:extLst>
+              <a:ext uri="{FF2B5EF4-FFF2-40B4-BE49-F238E27FC236}">
+                <a16:creationId xmlns:a16="http://schemas.microsoft.com/office/drawing/2014/main" id="{C9077C72-E9B6-6105-F773-B9E4C9E25BFD}"/>
+              </a:ext>
+            </a:extLst>
+          </p:cNvPr>
+          <p:cNvSpPr>
+            <a:spLocks noGrp="1"/>
+          </p:cNvSpPr>
+          <p:nvPr>
+            <p:ph idx="1"/>
+          </p:nvPr>
+        </p:nvSpPr>
+        <p:spPr>
+          <a:xfrm>
+            <a:off x="354106" y="292659"/>
+            <a:ext cx="11385175" cy="6175375"/>
+          </a:xfrm>
+        </p:spPr>
+        <p:txBody>
+          <a:bodyPr>
+            <a:normAutofit fontScale="70000" lnSpcReduction="20000"/>
+          </a:bodyPr>
+          <a:lstStyle/>
+          <a:p>
+            <a:pPr algn="l">
+              <a:buNone/>
+            </a:pPr>
+            <a:r>
+              <a:rPr lang="es-MX" b="0" i="0" dirty="0">
+                <a:solidFill>
+                  <a:srgbClr val="1F1F1F"/>
+                </a:solidFill>
+                <a:effectLst/>
+                <a:latin typeface="Source Sans Pro" panose="020B0503030403020204" pitchFamily="34" charset="0"/>
+              </a:rPr>
+              <a:t>Las habilidades que adquieres con el Certificado de análisis computacional de datos de Google se alinean con las habilidades que requieren los puestos de analista de datos. Cuando redactas tu currículum, la manera en que presentas tus habilidades puede llamar la atención de un reclutador o gerente de contratación. Muchos asesores profesionales recomiendan que personalices tu currículum cada vez que solicites un empleo para que tu experiencia y tus destrezas se alineen lo más posible con los requisitos enumerados en la descripción del puesto.</a:t>
+            </a:r>
+          </a:p>
+          <a:p>
+            <a:pPr algn="l">
+              <a:buNone/>
+            </a:pPr>
+            <a:r>
+              <a:rPr lang="es-MX" b="0" i="0" dirty="0">
+                <a:solidFill>
+                  <a:srgbClr val="1F1F1F"/>
+                </a:solidFill>
+                <a:effectLst/>
+                <a:latin typeface="Source Sans Pro" panose="020B0503030403020204" pitchFamily="34" charset="0"/>
+              </a:rPr>
+              <a:t>Para cada una de las destrezas relevantes de la tabla anterior, ten en cuenta lo siguiente: </a:t>
+            </a:r>
+          </a:p>
+          <a:p>
+            <a:pPr algn="l">
+              <a:buFont typeface="Arial" panose="020B0604020202020204" pitchFamily="34" charset="0"/>
+              <a:buChar char="•"/>
+            </a:pPr>
+            <a:r>
+              <a:rPr lang="es-MX" b="0" i="0" dirty="0">
+                <a:solidFill>
+                  <a:srgbClr val="1F1F1F"/>
+                </a:solidFill>
+                <a:effectLst/>
+                <a:latin typeface="var(--cds-font-family-source-sans-pro)"/>
+              </a:rPr>
+              <a:t>Posibles frases de descripciones del puesto</a:t>
+            </a:r>
+          </a:p>
+          <a:p>
+            <a:pPr algn="l">
+              <a:buFont typeface="Arial" panose="020B0604020202020204" pitchFamily="34" charset="0"/>
+              <a:buChar char="•"/>
+            </a:pPr>
+            <a:r>
+              <a:rPr lang="es-MX" b="0" i="0" dirty="0">
+                <a:solidFill>
+                  <a:srgbClr val="1F1F1F"/>
+                </a:solidFill>
+                <a:effectLst/>
+                <a:latin typeface="var(--cds-font-family-source-sans-pro)"/>
+              </a:rPr>
+              <a:t>Ejemplos de destrezas coincidentes de este certificado </a:t>
+            </a:r>
+          </a:p>
+          <a:p>
+            <a:pPr algn="l"/>
+            <a:r>
+              <a:rPr lang="es-MX" b="0" i="0" dirty="0">
+                <a:solidFill>
+                  <a:srgbClr val="1F1F1F"/>
+                </a:solidFill>
+                <a:effectLst/>
+                <a:latin typeface="Source Sans Pro" panose="020B0503030403020204" pitchFamily="34" charset="0"/>
+              </a:rPr>
+              <a:t>Revisemos las habilidades para los analistas de datos y examinemos frases comunes que puedes encontrar en las descripciones del puesto.</a:t>
+            </a:r>
+          </a:p>
+          <a:p>
+            <a:pPr marL="0" indent="0">
+              <a:buNone/>
+            </a:pPr>
+            <a:endParaRPr lang="es-MX" dirty="0"/>
+          </a:p>
+          <a:p>
+            <a:pPr algn="l">
+              <a:buNone/>
+            </a:pPr>
+            <a:r>
+              <a:rPr lang="es-MX" b="1" i="0" dirty="0">
+                <a:solidFill>
+                  <a:srgbClr val="1F1F1F"/>
+                </a:solidFill>
+                <a:effectLst/>
+                <a:latin typeface="unset"/>
+              </a:rPr>
+              <a:t>Apuntar a puestos más técnicos</a:t>
+            </a:r>
+            <a:endParaRPr lang="es-MX" b="1" i="0" dirty="0">
+              <a:solidFill>
+                <a:srgbClr val="1F1F1F"/>
+              </a:solidFill>
+              <a:effectLst/>
+              <a:latin typeface="Source Sans Pro" panose="020B0503030403020204" pitchFamily="34" charset="0"/>
+            </a:endParaRPr>
+          </a:p>
+          <a:p>
+            <a:pPr algn="l">
+              <a:buNone/>
+            </a:pPr>
+            <a:r>
+              <a:rPr lang="es-MX" b="0" i="0" dirty="0">
+                <a:solidFill>
+                  <a:srgbClr val="1F1F1F"/>
+                </a:solidFill>
+                <a:effectLst/>
+                <a:latin typeface="Source Sans Pro" panose="020B0503030403020204" pitchFamily="34" charset="0"/>
+              </a:rPr>
+              <a:t>Si tu objetivo es trabajar en un puesto más técnico como científico de datos, el Certificado de análisis computacional de datos de Google es un buen punto de partida. Pero es posible que debas buscar oportunidades de aprendizaje adicionales para mejorar tus destrezas, como por ejemplo:</a:t>
+            </a:r>
+          </a:p>
+          <a:p>
+            <a:pPr algn="l">
+              <a:buFont typeface="Arial" panose="020B0604020202020204" pitchFamily="34" charset="0"/>
+              <a:buChar char="•"/>
+            </a:pPr>
+            <a:r>
+              <a:rPr lang="es-MX" b="0" i="0" dirty="0">
+                <a:solidFill>
+                  <a:srgbClr val="1F1F1F"/>
+                </a:solidFill>
+                <a:effectLst/>
+                <a:latin typeface="var(--cds-font-family-source-sans-pro)"/>
+              </a:rPr>
+              <a:t>Completar otros certificados profesionales (Coursera ofrece una gran variedad)</a:t>
+            </a:r>
+          </a:p>
+          <a:p>
+            <a:pPr algn="l">
+              <a:buFont typeface="Arial" panose="020B0604020202020204" pitchFamily="34" charset="0"/>
+              <a:buChar char="•"/>
+            </a:pPr>
+            <a:r>
+              <a:rPr lang="es-MX" b="0" i="0" dirty="0">
+                <a:solidFill>
+                  <a:srgbClr val="1F1F1F"/>
+                </a:solidFill>
+                <a:effectLst/>
+                <a:latin typeface="var(--cds-font-family-source-sans-pro)"/>
+              </a:rPr>
+              <a:t>Inscribirte en cursos universitarios como estudiante de medio tiempo o de tiempo completo y solicitar pasantías pagas </a:t>
+            </a:r>
+          </a:p>
+          <a:p>
+            <a:pPr algn="l">
+              <a:buFont typeface="Arial" panose="020B0604020202020204" pitchFamily="34" charset="0"/>
+              <a:buChar char="•"/>
+            </a:pPr>
+            <a:r>
+              <a:rPr lang="es-MX" b="0" i="0" dirty="0">
+                <a:solidFill>
+                  <a:srgbClr val="1F1F1F"/>
+                </a:solidFill>
+                <a:effectLst/>
+                <a:latin typeface="var(--cds-font-family-source-sans-pro)"/>
+              </a:rPr>
+              <a:t>Continuar estudiando una carrera universitaria de cuatro años, como informática, ciencia de datos o sistemas de información de gestión </a:t>
+            </a:r>
+          </a:p>
+          <a:p>
+            <a:pPr marL="0" indent="0">
+              <a:buNone/>
+            </a:pPr>
+            <a:endParaRPr lang="es-MX" dirty="0"/>
+          </a:p>
+          <a:p>
+            <a:pPr marL="0" indent="0">
+              <a:buNone/>
+            </a:pPr>
+            <a:endParaRPr lang="es-MX" dirty="0"/>
+          </a:p>
+        </p:txBody>
+      </p:sp>
+    </p:spTree>
+    <p:extLst>
+      <p:ext uri="{BB962C8B-B14F-4D97-AF65-F5344CB8AC3E}">
+        <p14:creationId xmlns:p14="http://schemas.microsoft.com/office/powerpoint/2010/main" val="2064267317"/>
+      </p:ext>
+    </p:extLst>
+  </p:cSld>
+  <p:clrMapOvr>
+    <a:masterClrMapping/>
+  </p:clrMapOvr>
+</p:sld>
+</file>
+
 <file path=ppt/slides/slide2.xml><?xml version="1.0" encoding="utf-8"?>
 <p:sld xmlns:a="http://schemas.openxmlformats.org/drawingml/2006/main" xmlns:r="http://schemas.openxmlformats.org/officeDocument/2006/relationships" xmlns:p="http://schemas.openxmlformats.org/presentationml/2006/main">
   <p:cSld>
@@ -7129,6 +8923,171 @@
     <p:extLst>
       <p:ext uri="{BB962C8B-B14F-4D97-AF65-F5344CB8AC3E}">
         <p14:creationId xmlns:p14="http://schemas.microsoft.com/office/powerpoint/2010/main" val="955856763"/>
+      </p:ext>
+    </p:extLst>
+  </p:cSld>
+  <p:clrMapOvr>
+    <a:masterClrMapping/>
+  </p:clrMapOvr>
+</p:sld>
+</file>
+
+<file path=ppt/slides/slide20.xml><?xml version="1.0" encoding="utf-8"?>
+<p:sld xmlns:a="http://schemas.openxmlformats.org/drawingml/2006/main" xmlns:r="http://schemas.openxmlformats.org/officeDocument/2006/relationships" xmlns:p="http://schemas.openxmlformats.org/presentationml/2006/main">
+  <p:cSld>
+    <p:spTree>
+      <p:nvGrpSpPr>
+        <p:cNvPr id="1" name=""/>
+        <p:cNvGrpSpPr/>
+        <p:nvPr/>
+      </p:nvGrpSpPr>
+      <p:grpSpPr>
+        <a:xfrm>
+          <a:off x="0" y="0"/>
+          <a:ext cx="0" cy="0"/>
+          <a:chOff x="0" y="0"/>
+          <a:chExt cx="0" cy="0"/>
+        </a:xfrm>
+      </p:grpSpPr>
+      <p:pic>
+        <p:nvPicPr>
+          <p:cNvPr id="5" name="Imagen 4">
+            <a:extLst>
+              <a:ext uri="{FF2B5EF4-FFF2-40B4-BE49-F238E27FC236}">
+                <a16:creationId xmlns:a16="http://schemas.microsoft.com/office/drawing/2014/main" id="{595E333E-BEBE-49E7-E28C-2839E8057638}"/>
+              </a:ext>
+            </a:extLst>
+          </p:cNvPr>
+          <p:cNvPicPr>
+            <a:picLocks noChangeAspect="1"/>
+          </p:cNvPicPr>
+          <p:nvPr/>
+        </p:nvPicPr>
+        <p:blipFill>
+          <a:blip r:embed="rId2"/>
+          <a:srcRect l="905" r="1810" b="24314"/>
+          <a:stretch/>
+        </p:blipFill>
+        <p:spPr>
+          <a:xfrm>
+            <a:off x="0" y="256254"/>
+            <a:ext cx="5782235" cy="5540188"/>
+          </a:xfrm>
+          <a:prstGeom prst="rect">
+            <a:avLst/>
+          </a:prstGeom>
+        </p:spPr>
+      </p:pic>
+      <p:pic>
+        <p:nvPicPr>
+          <p:cNvPr id="7" name="Imagen 6">
+            <a:extLst>
+              <a:ext uri="{FF2B5EF4-FFF2-40B4-BE49-F238E27FC236}">
+                <a16:creationId xmlns:a16="http://schemas.microsoft.com/office/drawing/2014/main" id="{0BE28CC2-CB0E-4B31-E743-0AC2C8BB8F1B}"/>
+              </a:ext>
+            </a:extLst>
+          </p:cNvPr>
+          <p:cNvPicPr>
+            <a:picLocks noChangeAspect="1"/>
+          </p:cNvPicPr>
+          <p:nvPr/>
+        </p:nvPicPr>
+        <p:blipFill>
+          <a:blip r:embed="rId3"/>
+          <a:srcRect l="1631" r="1970"/>
+          <a:stretch/>
+        </p:blipFill>
+        <p:spPr>
+          <a:xfrm>
+            <a:off x="5831540" y="0"/>
+            <a:ext cx="6360460" cy="6601746"/>
+          </a:xfrm>
+          <a:prstGeom prst="rect">
+            <a:avLst/>
+          </a:prstGeom>
+        </p:spPr>
+      </p:pic>
+    </p:spTree>
+    <p:extLst>
+      <p:ext uri="{BB962C8B-B14F-4D97-AF65-F5344CB8AC3E}">
+        <p14:creationId xmlns:p14="http://schemas.microsoft.com/office/powerpoint/2010/main" val="468910616"/>
+      </p:ext>
+    </p:extLst>
+  </p:cSld>
+  <p:clrMapOvr>
+    <a:masterClrMapping/>
+  </p:clrMapOvr>
+</p:sld>
+</file>
+
+<file path=ppt/slides/slide21.xml><?xml version="1.0" encoding="utf-8"?>
+<p:sld xmlns:a="http://schemas.openxmlformats.org/drawingml/2006/main" xmlns:r="http://schemas.openxmlformats.org/officeDocument/2006/relationships" xmlns:p="http://schemas.openxmlformats.org/presentationml/2006/main">
+  <p:cSld>
+    <p:spTree>
+      <p:nvGrpSpPr>
+        <p:cNvPr id="1" name=""/>
+        <p:cNvGrpSpPr/>
+        <p:nvPr/>
+      </p:nvGrpSpPr>
+      <p:grpSpPr>
+        <a:xfrm>
+          <a:off x="0" y="0"/>
+          <a:ext cx="0" cy="0"/>
+          <a:chOff x="0" y="0"/>
+          <a:chExt cx="0" cy="0"/>
+        </a:xfrm>
+      </p:grpSpPr>
+      <p:pic>
+        <p:nvPicPr>
+          <p:cNvPr id="1026" name="Picture 2">
+            <a:extLst>
+              <a:ext uri="{FF2B5EF4-FFF2-40B4-BE49-F238E27FC236}">
+                <a16:creationId xmlns:a16="http://schemas.microsoft.com/office/drawing/2014/main" id="{97F8229F-BE74-FDE6-3128-B58A6D6B68B6}"/>
+              </a:ext>
+            </a:extLst>
+          </p:cNvPr>
+          <p:cNvPicPr>
+            <a:picLocks noChangeAspect="1" noChangeArrowheads="1"/>
+          </p:cNvPicPr>
+          <p:nvPr/>
+        </p:nvPicPr>
+        <p:blipFill>
+          <a:blip r:embed="rId2">
+            <a:extLst>
+              <a:ext uri="{28A0092B-C50C-407E-A947-70E740481C1C}">
+                <a14:useLocalDpi xmlns:a14="http://schemas.microsoft.com/office/drawing/2010/main" val="0"/>
+              </a:ext>
+            </a:extLst>
+          </a:blip>
+          <a:srcRect/>
+          <a:stretch>
+            <a:fillRect/>
+          </a:stretch>
+        </p:blipFill>
+        <p:spPr bwMode="auto">
+          <a:xfrm>
+            <a:off x="1168826" y="0"/>
+            <a:ext cx="7727950" cy="6858000"/>
+          </a:xfrm>
+          <a:prstGeom prst="rect">
+            <a:avLst/>
+          </a:prstGeom>
+          <a:noFill/>
+          <a:extLst>
+            <a:ext uri="{909E8E84-426E-40DD-AFC4-6F175D3DCCD1}">
+              <a14:hiddenFill xmlns:a14="http://schemas.microsoft.com/office/drawing/2010/main">
+                <a:solidFill>
+                  <a:srgbClr val="FFFFFF"/>
+                </a:solidFill>
+              </a14:hiddenFill>
+            </a:ext>
+          </a:extLst>
+        </p:spPr>
+      </p:pic>
+    </p:spTree>
+    <p:extLst>
+      <p:ext uri="{BB962C8B-B14F-4D97-AF65-F5344CB8AC3E}">
+        <p14:creationId xmlns:p14="http://schemas.microsoft.com/office/powerpoint/2010/main" val="1320621995"/>
       </p:ext>
     </p:extLst>
   </p:cSld>
@@ -7770,6 +9729,336 @@
     <p:extLst>
       <p:ext uri="{BB962C8B-B14F-4D97-AF65-F5344CB8AC3E}">
         <p14:creationId xmlns:p14="http://schemas.microsoft.com/office/powerpoint/2010/main" val="2029380222"/>
+      </p:ext>
+    </p:extLst>
+  </p:cSld>
+  <p:clrMapOvr>
+    <a:masterClrMapping/>
+  </p:clrMapOvr>
+</p:sld>
+</file>
+
+<file path=ppt/slides/slide7.xml><?xml version="1.0" encoding="utf-8"?>
+<p:sld xmlns:a="http://schemas.openxmlformats.org/drawingml/2006/main" xmlns:r="http://schemas.openxmlformats.org/officeDocument/2006/relationships" xmlns:p="http://schemas.openxmlformats.org/presentationml/2006/main">
+  <p:cSld>
+    <p:spTree>
+      <p:nvGrpSpPr>
+        <p:cNvPr id="1" name=""/>
+        <p:cNvGrpSpPr/>
+        <p:nvPr/>
+      </p:nvGrpSpPr>
+      <p:grpSpPr>
+        <a:xfrm>
+          <a:off x="0" y="0"/>
+          <a:ext cx="0" cy="0"/>
+          <a:chOff x="0" y="0"/>
+          <a:chExt cx="0" cy="0"/>
+        </a:xfrm>
+      </p:grpSpPr>
+      <p:sp>
+        <p:nvSpPr>
+          <p:cNvPr id="2" name="Título 1">
+            <a:extLst>
+              <a:ext uri="{FF2B5EF4-FFF2-40B4-BE49-F238E27FC236}">
+                <a16:creationId xmlns:a16="http://schemas.microsoft.com/office/drawing/2014/main" id="{0E530BED-0C98-F3CC-2DF1-F4F482D36068}"/>
+              </a:ext>
+            </a:extLst>
+          </p:cNvPr>
+          <p:cNvSpPr>
+            <a:spLocks noGrp="1"/>
+          </p:cNvSpPr>
+          <p:nvPr>
+            <p:ph type="title"/>
+          </p:nvPr>
+        </p:nvSpPr>
+        <p:spPr/>
+        <p:txBody>
+          <a:bodyPr/>
+          <a:lstStyle/>
+          <a:p>
+            <a:endParaRPr lang="es-MX"/>
+          </a:p>
+        </p:txBody>
+      </p:sp>
+      <p:sp>
+        <p:nvSpPr>
+          <p:cNvPr id="3" name="Marcador de contenido 2">
+            <a:extLst>
+              <a:ext uri="{FF2B5EF4-FFF2-40B4-BE49-F238E27FC236}">
+                <a16:creationId xmlns:a16="http://schemas.microsoft.com/office/drawing/2014/main" id="{DCB673D5-DDA6-E312-F4A3-390C96DE0C7D}"/>
+              </a:ext>
+            </a:extLst>
+          </p:cNvPr>
+          <p:cNvSpPr>
+            <a:spLocks noGrp="1"/>
+          </p:cNvSpPr>
+          <p:nvPr>
+            <p:ph idx="1"/>
+          </p:nvPr>
+        </p:nvSpPr>
+        <p:spPr/>
+        <p:txBody>
+          <a:bodyPr/>
+          <a:lstStyle/>
+          <a:p>
+            <a:endParaRPr lang="es-MX"/>
+          </a:p>
+        </p:txBody>
+      </p:sp>
+      <p:pic>
+        <p:nvPicPr>
+          <p:cNvPr id="5" name="Imagen 4">
+            <a:extLst>
+              <a:ext uri="{FF2B5EF4-FFF2-40B4-BE49-F238E27FC236}">
+                <a16:creationId xmlns:a16="http://schemas.microsoft.com/office/drawing/2014/main" id="{BBB898F7-DBA6-BFF8-F54B-0FCF68C3CD30}"/>
+              </a:ext>
+            </a:extLst>
+          </p:cNvPr>
+          <p:cNvPicPr>
+            <a:picLocks noChangeAspect="1"/>
+          </p:cNvPicPr>
+          <p:nvPr/>
+        </p:nvPicPr>
+        <p:blipFill>
+          <a:blip r:embed="rId2"/>
+          <a:stretch>
+            <a:fillRect/>
+          </a:stretch>
+        </p:blipFill>
+        <p:spPr>
+          <a:xfrm>
+            <a:off x="303991" y="75732"/>
+            <a:ext cx="11584017" cy="6706536"/>
+          </a:xfrm>
+          <a:prstGeom prst="rect">
+            <a:avLst/>
+          </a:prstGeom>
+        </p:spPr>
+      </p:pic>
+    </p:spTree>
+    <p:extLst>
+      <p:ext uri="{BB962C8B-B14F-4D97-AF65-F5344CB8AC3E}">
+        <p14:creationId xmlns:p14="http://schemas.microsoft.com/office/powerpoint/2010/main" val="4134222118"/>
+      </p:ext>
+    </p:extLst>
+  </p:cSld>
+  <p:clrMapOvr>
+    <a:masterClrMapping/>
+  </p:clrMapOvr>
+</p:sld>
+</file>
+
+<file path=ppt/slides/slide8.xml><?xml version="1.0" encoding="utf-8"?>
+<p:sld xmlns:a="http://schemas.openxmlformats.org/drawingml/2006/main" xmlns:r="http://schemas.openxmlformats.org/officeDocument/2006/relationships" xmlns:p="http://schemas.openxmlformats.org/presentationml/2006/main">
+  <p:cSld>
+    <p:spTree>
+      <p:nvGrpSpPr>
+        <p:cNvPr id="1" name=""/>
+        <p:cNvGrpSpPr/>
+        <p:nvPr/>
+      </p:nvGrpSpPr>
+      <p:grpSpPr>
+        <a:xfrm>
+          <a:off x="0" y="0"/>
+          <a:ext cx="0" cy="0"/>
+          <a:chOff x="0" y="0"/>
+          <a:chExt cx="0" cy="0"/>
+        </a:xfrm>
+      </p:grpSpPr>
+      <p:sp>
+        <p:nvSpPr>
+          <p:cNvPr id="2" name="Título 1">
+            <a:extLst>
+              <a:ext uri="{FF2B5EF4-FFF2-40B4-BE49-F238E27FC236}">
+                <a16:creationId xmlns:a16="http://schemas.microsoft.com/office/drawing/2014/main" id="{D4665F67-55A2-C0A8-8689-527E4E1BE913}"/>
+              </a:ext>
+            </a:extLst>
+          </p:cNvPr>
+          <p:cNvSpPr>
+            <a:spLocks noGrp="1"/>
+          </p:cNvSpPr>
+          <p:nvPr>
+            <p:ph type="title"/>
+          </p:nvPr>
+        </p:nvSpPr>
+        <p:spPr/>
+        <p:txBody>
+          <a:bodyPr/>
+          <a:lstStyle/>
+          <a:p>
+            <a:endParaRPr lang="es-MX"/>
+          </a:p>
+        </p:txBody>
+      </p:sp>
+      <p:sp>
+        <p:nvSpPr>
+          <p:cNvPr id="3" name="Marcador de contenido 2">
+            <a:extLst>
+              <a:ext uri="{FF2B5EF4-FFF2-40B4-BE49-F238E27FC236}">
+                <a16:creationId xmlns:a16="http://schemas.microsoft.com/office/drawing/2014/main" id="{C418693C-3CFD-589F-8461-C707E73CE867}"/>
+              </a:ext>
+            </a:extLst>
+          </p:cNvPr>
+          <p:cNvSpPr>
+            <a:spLocks noGrp="1"/>
+          </p:cNvSpPr>
+          <p:nvPr>
+            <p:ph idx="1"/>
+          </p:nvPr>
+        </p:nvSpPr>
+        <p:spPr/>
+        <p:txBody>
+          <a:bodyPr/>
+          <a:lstStyle/>
+          <a:p>
+            <a:endParaRPr lang="es-MX"/>
+          </a:p>
+        </p:txBody>
+      </p:sp>
+      <p:pic>
+        <p:nvPicPr>
+          <p:cNvPr id="5" name="Imagen 4">
+            <a:extLst>
+              <a:ext uri="{FF2B5EF4-FFF2-40B4-BE49-F238E27FC236}">
+                <a16:creationId xmlns:a16="http://schemas.microsoft.com/office/drawing/2014/main" id="{6E5838B2-846E-EC6C-2464-B63C3348053F}"/>
+              </a:ext>
+            </a:extLst>
+          </p:cNvPr>
+          <p:cNvPicPr>
+            <a:picLocks noChangeAspect="1"/>
+          </p:cNvPicPr>
+          <p:nvPr/>
+        </p:nvPicPr>
+        <p:blipFill>
+          <a:blip r:embed="rId2"/>
+          <a:stretch>
+            <a:fillRect/>
+          </a:stretch>
+        </p:blipFill>
+        <p:spPr>
+          <a:xfrm>
+            <a:off x="261123" y="23337"/>
+            <a:ext cx="11669754" cy="6811326"/>
+          </a:xfrm>
+          <a:prstGeom prst="rect">
+            <a:avLst/>
+          </a:prstGeom>
+        </p:spPr>
+      </p:pic>
+    </p:spTree>
+    <p:extLst>
+      <p:ext uri="{BB962C8B-B14F-4D97-AF65-F5344CB8AC3E}">
+        <p14:creationId xmlns:p14="http://schemas.microsoft.com/office/powerpoint/2010/main" val="2762012003"/>
+      </p:ext>
+    </p:extLst>
+  </p:cSld>
+  <p:clrMapOvr>
+    <a:masterClrMapping/>
+  </p:clrMapOvr>
+</p:sld>
+</file>
+
+<file path=ppt/slides/slide9.xml><?xml version="1.0" encoding="utf-8"?>
+<p:sld xmlns:a="http://schemas.openxmlformats.org/drawingml/2006/main" xmlns:r="http://schemas.openxmlformats.org/officeDocument/2006/relationships" xmlns:p="http://schemas.openxmlformats.org/presentationml/2006/main">
+  <p:cSld>
+    <p:spTree>
+      <p:nvGrpSpPr>
+        <p:cNvPr id="1" name=""/>
+        <p:cNvGrpSpPr/>
+        <p:nvPr/>
+      </p:nvGrpSpPr>
+      <p:grpSpPr>
+        <a:xfrm>
+          <a:off x="0" y="0"/>
+          <a:ext cx="0" cy="0"/>
+          <a:chOff x="0" y="0"/>
+          <a:chExt cx="0" cy="0"/>
+        </a:xfrm>
+      </p:grpSpPr>
+      <p:sp>
+        <p:nvSpPr>
+          <p:cNvPr id="2" name="Título 1">
+            <a:extLst>
+              <a:ext uri="{FF2B5EF4-FFF2-40B4-BE49-F238E27FC236}">
+                <a16:creationId xmlns:a16="http://schemas.microsoft.com/office/drawing/2014/main" id="{28857434-80C0-B1E2-2CDA-0F6C434895B8}"/>
+              </a:ext>
+            </a:extLst>
+          </p:cNvPr>
+          <p:cNvSpPr>
+            <a:spLocks noGrp="1"/>
+          </p:cNvSpPr>
+          <p:nvPr>
+            <p:ph type="title"/>
+          </p:nvPr>
+        </p:nvSpPr>
+        <p:spPr/>
+        <p:txBody>
+          <a:bodyPr/>
+          <a:lstStyle/>
+          <a:p>
+            <a:endParaRPr lang="es-MX"/>
+          </a:p>
+        </p:txBody>
+      </p:sp>
+      <p:sp>
+        <p:nvSpPr>
+          <p:cNvPr id="3" name="Marcador de contenido 2">
+            <a:extLst>
+              <a:ext uri="{FF2B5EF4-FFF2-40B4-BE49-F238E27FC236}">
+                <a16:creationId xmlns:a16="http://schemas.microsoft.com/office/drawing/2014/main" id="{739967E0-D44A-3E69-E8DC-50534BF922CE}"/>
+              </a:ext>
+            </a:extLst>
+          </p:cNvPr>
+          <p:cNvSpPr>
+            <a:spLocks noGrp="1"/>
+          </p:cNvSpPr>
+          <p:nvPr>
+            <p:ph idx="1"/>
+          </p:nvPr>
+        </p:nvSpPr>
+        <p:spPr/>
+        <p:txBody>
+          <a:bodyPr/>
+          <a:lstStyle/>
+          <a:p>
+            <a:endParaRPr lang="es-MX"/>
+          </a:p>
+        </p:txBody>
+      </p:sp>
+      <p:pic>
+        <p:nvPicPr>
+          <p:cNvPr id="5" name="Imagen 4">
+            <a:extLst>
+              <a:ext uri="{FF2B5EF4-FFF2-40B4-BE49-F238E27FC236}">
+                <a16:creationId xmlns:a16="http://schemas.microsoft.com/office/drawing/2014/main" id="{E8418CF9-D174-982F-3567-95C2E1B5374B}"/>
+              </a:ext>
+            </a:extLst>
+          </p:cNvPr>
+          <p:cNvPicPr>
+            <a:picLocks noChangeAspect="1"/>
+          </p:cNvPicPr>
+          <p:nvPr/>
+        </p:nvPicPr>
+        <p:blipFill>
+          <a:blip r:embed="rId2"/>
+          <a:stretch>
+            <a:fillRect/>
+          </a:stretch>
+        </p:blipFill>
+        <p:spPr>
+          <a:xfrm>
+            <a:off x="261123" y="42390"/>
+            <a:ext cx="11669754" cy="6773220"/>
+          </a:xfrm>
+          <a:prstGeom prst="rect">
+            <a:avLst/>
+          </a:prstGeom>
+        </p:spPr>
+      </p:pic>
+    </p:spTree>
+    <p:extLst>
+      <p:ext uri="{BB962C8B-B14F-4D97-AF65-F5344CB8AC3E}">
+        <p14:creationId xmlns:p14="http://schemas.microsoft.com/office/powerpoint/2010/main" val="1118637259"/>
       </p:ext>
     </p:extLst>
   </p:cSld>
